--- a/文档/2018年6月程序员晋级/晋级 ppt.pptx
+++ b/文档/2018年6月程序员晋级/晋级 ppt.pptx
@@ -1,19 +1,21 @@
 
 <file path=ppt/presentation.xml><?xml version="1.0" encoding="utf-8"?>
-<p:presentation xmlns:a="http://schemas.openxmlformats.org/drawingml/2006/main" xmlns:r="http://schemas.openxmlformats.org/officeDocument/2006/relationships" xmlns:p="http://schemas.openxmlformats.org/presentationml/2006/main" saveSubsetFonts="1">
+<p:presentation xmlns:a="http://schemas.openxmlformats.org/drawingml/2006/main" xmlns:r="http://schemas.openxmlformats.org/officeDocument/2006/relationships" xmlns:p="http://schemas.openxmlformats.org/presentationml/2006/main">
   <p:sldMasterIdLst>
-    <p:sldMasterId id="2147483660" r:id="rId1"/>
-    <p:sldMasterId id="2147483677" r:id="rId2"/>
-    <p:sldMasterId id="2147483679" r:id="rId3"/>
-    <p:sldMasterId id="2147483674" r:id="rId4"/>
+    <p:sldMasterId id="2147483648" r:id="rId1"/>
+    <p:sldMasterId id="2147483650" r:id="rId3"/>
+    <p:sldMasterId id="2147483652" r:id="rId4"/>
+    <p:sldMasterId id="2147483654" r:id="rId5"/>
   </p:sldMasterIdLst>
   <p:sldIdLst>
-    <p:sldId id="276" r:id="rId5"/>
-    <p:sldId id="270" r:id="rId6"/>
-    <p:sldId id="274" r:id="rId7"/>
-    <p:sldId id="275" r:id="rId8"/>
-    <p:sldId id="272" r:id="rId9"/>
-    <p:sldId id="273" r:id="rId10"/>
+    <p:sldId id="276" r:id="rId6"/>
+    <p:sldId id="270" r:id="rId7"/>
+    <p:sldId id="274" r:id="rId8"/>
+    <p:sldId id="282" r:id="rId9"/>
+    <p:sldId id="283" r:id="rId10"/>
+    <p:sldId id="275" r:id="rId11"/>
+    <p:sldId id="272" r:id="rId12"/>
+    <p:sldId id="273" r:id="rId13"/>
   </p:sldIdLst>
   <p:sldSz cx="12192000" cy="6858000"/>
   <p:notesSz cx="6858000" cy="9144000"/>
@@ -112,11 +114,6 @@
       </a:defRPr>
     </a:lvl9pPr>
   </p:defaultTextStyle>
-  <p:extLst>
-    <p:ext uri="{EFAFB233-063F-42B5-8137-9DF3F51BA10A}">
-      <p15:sldGuideLst xmlns:p15="http://schemas.microsoft.com/office/powerpoint/2012/main" xmlns=""/>
-    </p:ext>
-  </p:extLst>
 </p:presentation>
 </file>
 
@@ -155,10 +152,11 @@
             </c:strRef>
           </c:tx>
           <c:spPr>
-            <a:ln w="28575" cap="rnd">
+            <a:ln w="28575" cap="rnd" cmpd="sng" algn="ctr">
               <a:solidFill>
                 <a:schemeClr val="accent1"/>
               </a:solidFill>
+              <a:prstDash val="solid"/>
               <a:round/>
             </a:ln>
             <a:effectLst>
@@ -174,10 +172,12 @@
             <c:size val="5"/>
             <c:spPr>
               <a:noFill/>
-              <a:ln w="76200" cmpd="sng">
+              <a:ln w="76200" cap="flat" cmpd="sng" algn="ctr">
                 <a:solidFill>
                   <a:schemeClr val="accent1"/>
                 </a:solidFill>
+                <a:prstDash val="solid"/>
+                <a:round/>
               </a:ln>
               <a:effectLst>
                 <a:outerShdw blurRad="50800" dist="38100" dir="660000" algn="tl" rotWithShape="0">
@@ -188,6 +188,9 @@
               </a:effectLst>
             </c:spPr>
           </c:marker>
+          <c:dLbls>
+            <c:delete val="1"/>
+          </c:dLbls>
           <c:cat>
             <c:strRef>
               <c:f>Sheet1!$A$2:$A$7</c:f>
@@ -221,31 +224,26 @@
                 <c:formatCode>General</c:formatCode>
                 <c:ptCount val="6"/>
                 <c:pt idx="0">
-                  <c:v>4.0</c:v>
+                  <c:v>4</c:v>
                 </c:pt>
                 <c:pt idx="1">
-                  <c:v>2.0</c:v>
+                  <c:v>2</c:v>
                 </c:pt>
                 <c:pt idx="2">
-                  <c:v>2.0</c:v>
+                  <c:v>2</c:v>
                 </c:pt>
                 <c:pt idx="3">
-                  <c:v>4.0</c:v>
+                  <c:v>4</c:v>
                 </c:pt>
                 <c:pt idx="4">
-                  <c:v>2.0</c:v>
+                  <c:v>2</c:v>
                 </c:pt>
                 <c:pt idx="5">
-                  <c:v>4.0</c:v>
+                  <c:v>4</c:v>
                 </c:pt>
               </c:numCache>
             </c:numRef>
           </c:val>
-          <c:extLst xmlns:c16r2="http://schemas.microsoft.com/office/drawing/2015/06/chart">
-            <c:ext xmlns:c16="http://schemas.microsoft.com/office/drawing/2014/chart" uri="{C3380CC4-5D6E-409C-BE32-E72D297353CC}">
-              <c16:uniqueId val="{00000000-1E67-498E-AF53-B5A5967AE892}"/>
-            </c:ext>
-          </c:extLst>
         </c:ser>
         <c:dLbls>
           <c:showLegendKey val="0"/>
@@ -278,6 +276,7 @@
                 <a:lumOff val="85000"/>
               </a:schemeClr>
             </a:solidFill>
+            <a:prstDash val="solid"/>
             <a:round/>
           </a:ln>
           <a:effectLst/>
@@ -287,7 +286,7 @@
           <a:lstStyle/>
           <a:p>
             <a:pPr>
-              <a:defRPr sz="1197" b="0" i="0" u="none" strike="noStrike" kern="1200" baseline="0">
+              <a:defRPr lang="zh-CN" sz="1195" b="0" i="0" u="none" strike="noStrike" kern="1200" baseline="0">
                 <a:solidFill>
                   <a:schemeClr val="tx1">
                     <a:lumMod val="65000"/>
@@ -299,7 +298,6 @@
                 <a:cs typeface="+mn-cs"/>
               </a:defRPr>
             </a:pPr>
-            <a:endParaRPr lang="zh-CN"/>
           </a:p>
         </c:txPr>
         <c:crossAx val="-2094984344"/>
@@ -313,7 +311,7 @@
         <c:axId val="-2094984344"/>
         <c:scaling>
           <c:orientation val="minMax"/>
-          <c:max val="10.0"/>
+          <c:max val="10"/>
         </c:scaling>
         <c:delete val="0"/>
         <c:axPos val="l"/>
@@ -326,6 +324,7 @@
                   <a:lumOff val="85000"/>
                 </a:schemeClr>
               </a:solidFill>
+              <a:prstDash val="solid"/>
               <a:round/>
             </a:ln>
             <a:effectLst/>
@@ -337,8 +336,10 @@
         <c:tickLblPos val="nextTo"/>
         <c:spPr>
           <a:noFill/>
-          <a:ln>
+          <a:ln w="6350" cap="flat" cmpd="sng" algn="ctr">
             <a:noFill/>
+            <a:prstDash val="solid"/>
+            <a:round/>
           </a:ln>
           <a:effectLst/>
         </c:spPr>
@@ -347,7 +348,7 @@
           <a:lstStyle/>
           <a:p>
             <a:pPr>
-              <a:defRPr sz="1197" b="0" i="0" u="none" strike="noStrike" kern="1200" baseline="0">
+              <a:defRPr lang="zh-CN" sz="1195" b="0" i="0" u="none" strike="noStrike" kern="1200" baseline="0">
                 <a:solidFill>
                   <a:schemeClr val="tx1">
                     <a:lumMod val="65000"/>
@@ -359,14 +360,13 @@
                 <a:cs typeface="+mn-cs"/>
               </a:defRPr>
             </a:pPr>
-            <a:endParaRPr lang="zh-CN"/>
           </a:p>
         </c:txPr>
         <c:crossAx val="-2131630008"/>
         <c:crosses val="autoZero"/>
         <c:crossBetween val="between"/>
-        <c:majorUnit val="2.0"/>
-        <c:minorUnit val="1.0"/>
+        <c:majorUnit val="2"/>
+        <c:minorUnit val="1"/>
       </c:valAx>
       <c:spPr>
         <a:noFill/>
@@ -392,9 +392,8 @@
     <a:lstStyle/>
     <a:p>
       <a:pPr>
-        <a:defRPr/>
+        <a:defRPr lang="zh-CN"/>
       </a:pPr>
-      <a:endParaRPr lang="zh-CN"/>
     </a:p>
   </c:txPr>
   <c:externalData r:id="rId1">
@@ -438,12 +437,13 @@
             </c:strRef>
           </c:tx>
           <c:spPr>
-            <a:ln w="28575" cap="rnd">
+            <a:ln w="28575" cap="rnd" cmpd="sng" algn="ctr">
               <a:solidFill>
                 <a:schemeClr val="bg2">
                   <a:lumMod val="50000"/>
                 </a:schemeClr>
               </a:solidFill>
+              <a:prstDash val="solid"/>
               <a:round/>
             </a:ln>
             <a:effectLst>
@@ -459,12 +459,14 @@
             <c:size val="5"/>
             <c:spPr>
               <a:noFill/>
-              <a:ln w="76200" cmpd="sng">
+              <a:ln w="76200" cap="flat" cmpd="sng" algn="ctr">
                 <a:solidFill>
                   <a:schemeClr val="bg2">
                     <a:lumMod val="50000"/>
                   </a:schemeClr>
                 </a:solidFill>
+                <a:prstDash val="solid"/>
+                <a:round/>
               </a:ln>
               <a:effectLst>
                 <a:outerShdw blurRad="50800" dist="38100" dir="660000" algn="tl" rotWithShape="0">
@@ -475,6 +477,9 @@
               </a:effectLst>
             </c:spPr>
           </c:marker>
+          <c:dLbls>
+            <c:delete val="1"/>
+          </c:dLbls>
           <c:cat>
             <c:strRef>
               <c:f>Sheet1!$A$2:$A$7</c:f>
@@ -508,31 +513,26 @@
                 <c:formatCode>General</c:formatCode>
                 <c:ptCount val="6"/>
                 <c:pt idx="0">
-                  <c:v>6.0</c:v>
+                  <c:v>6</c:v>
                 </c:pt>
                 <c:pt idx="1">
-                  <c:v>4.0</c:v>
+                  <c:v>4</c:v>
                 </c:pt>
                 <c:pt idx="2">
-                  <c:v>4.0</c:v>
+                  <c:v>4</c:v>
                 </c:pt>
                 <c:pt idx="3">
-                  <c:v>6.0</c:v>
+                  <c:v>6</c:v>
                 </c:pt>
                 <c:pt idx="4">
-                  <c:v>4.0</c:v>
+                  <c:v>4</c:v>
                 </c:pt>
                 <c:pt idx="5">
-                  <c:v>6.0</c:v>
+                  <c:v>6</c:v>
                 </c:pt>
               </c:numCache>
             </c:numRef>
           </c:val>
-          <c:extLst xmlns:c16r2="http://schemas.microsoft.com/office/drawing/2015/06/chart">
-            <c:ext xmlns:c16="http://schemas.microsoft.com/office/drawing/2014/chart" uri="{C3380CC4-5D6E-409C-BE32-E72D297353CC}">
-              <c16:uniqueId val="{00000000-1E67-498E-AF53-B5A5967AE892}"/>
-            </c:ext>
-          </c:extLst>
         </c:ser>
         <c:dLbls>
           <c:showLegendKey val="0"/>
@@ -565,6 +565,7 @@
                 <a:lumOff val="85000"/>
               </a:schemeClr>
             </a:solidFill>
+            <a:prstDash val="solid"/>
             <a:round/>
           </a:ln>
           <a:effectLst/>
@@ -574,7 +575,7 @@
           <a:lstStyle/>
           <a:p>
             <a:pPr>
-              <a:defRPr sz="1197" b="0" i="0" u="none" strike="noStrike" kern="1200" baseline="0">
+              <a:defRPr lang="zh-CN" sz="1195" b="0" i="0" u="none" strike="noStrike" kern="1200" baseline="0">
                 <a:solidFill>
                   <a:schemeClr val="tx1">
                     <a:lumMod val="65000"/>
@@ -586,7 +587,6 @@
                 <a:cs typeface="+mn-cs"/>
               </a:defRPr>
             </a:pPr>
-            <a:endParaRPr lang="zh-CN"/>
           </a:p>
         </c:txPr>
         <c:crossAx val="-2102609192"/>
@@ -600,7 +600,7 @@
         <c:axId val="-2102609192"/>
         <c:scaling>
           <c:orientation val="minMax"/>
-          <c:max val="10.0"/>
+          <c:max val="10"/>
         </c:scaling>
         <c:delete val="0"/>
         <c:axPos val="l"/>
@@ -613,6 +613,7 @@
                   <a:lumOff val="85000"/>
                 </a:schemeClr>
               </a:solidFill>
+              <a:prstDash val="solid"/>
               <a:round/>
             </a:ln>
             <a:effectLst/>
@@ -624,8 +625,10 @@
         <c:tickLblPos val="nextTo"/>
         <c:spPr>
           <a:noFill/>
-          <a:ln>
+          <a:ln w="6350" cap="flat" cmpd="sng" algn="ctr">
             <a:noFill/>
+            <a:prstDash val="solid"/>
+            <a:round/>
           </a:ln>
           <a:effectLst/>
         </c:spPr>
@@ -634,7 +637,7 @@
           <a:lstStyle/>
           <a:p>
             <a:pPr>
-              <a:defRPr sz="1197" b="0" i="0" u="none" strike="noStrike" kern="1200" baseline="0">
+              <a:defRPr lang="zh-CN" sz="1195" b="0" i="0" u="none" strike="noStrike" kern="1200" baseline="0">
                 <a:solidFill>
                   <a:schemeClr val="tx1">
                     <a:lumMod val="65000"/>
@@ -646,14 +649,13 @@
                 <a:cs typeface="+mn-cs"/>
               </a:defRPr>
             </a:pPr>
-            <a:endParaRPr lang="zh-CN"/>
           </a:p>
         </c:txPr>
         <c:crossAx val="-2091542152"/>
         <c:crosses val="autoZero"/>
         <c:crossBetween val="between"/>
-        <c:majorUnit val="2.0"/>
-        <c:minorUnit val="1.0"/>
+        <c:majorUnit val="2"/>
+        <c:minorUnit val="1"/>
       </c:valAx>
       <c:spPr>
         <a:noFill/>
@@ -679,9 +681,8 @@
     <a:lstStyle/>
     <a:p>
       <a:pPr>
-        <a:defRPr/>
+        <a:defRPr lang="zh-CN"/>
       </a:pPr>
-      <a:endParaRPr lang="zh-CN"/>
     </a:p>
   </c:txPr>
   <c:externalData r:id="rId1">
@@ -748,26 +749,29 @@
               <a:effectLst/>
             </c:spPr>
           </c:marker>
+          <c:dLbls>
+            <c:delete val="1"/>
+          </c:dLbls>
           <c:cat>
             <c:numRef>
               <c:f>Sheet1!$A$2:$A$6</c:f>
               <c:numCache>
-                <c:formatCode>m/d/yyyy</c:formatCode>
+                <c:formatCode>yyyy/m/d</c:formatCode>
                 <c:ptCount val="5"/>
-                <c:pt idx="0">
-                  <c:v>37261.0</c:v>
+                <c:pt idx="0" c:formatCode="yyyy/m/d">
+                  <c:v>37261</c:v>
                 </c:pt>
-                <c:pt idx="1">
-                  <c:v>37262.0</c:v>
+                <c:pt idx="1" c:formatCode="yyyy/m/d">
+                  <c:v>37262</c:v>
                 </c:pt>
-                <c:pt idx="2">
-                  <c:v>37263.0</c:v>
+                <c:pt idx="2" c:formatCode="yyyy/m/d">
+                  <c:v>37263</c:v>
                 </c:pt>
-                <c:pt idx="3">
-                  <c:v>37264.0</c:v>
+                <c:pt idx="3" c:formatCode="yyyy/m/d">
+                  <c:v>37264</c:v>
                 </c:pt>
-                <c:pt idx="4">
-                  <c:v>37265.0</c:v>
+                <c:pt idx="4" c:formatCode="yyyy/m/d">
+                  <c:v>37265</c:v>
                 </c:pt>
               </c:numCache>
             </c:numRef>
@@ -779,28 +783,23 @@
                 <c:formatCode>General</c:formatCode>
                 <c:ptCount val="5"/>
                 <c:pt idx="0">
-                  <c:v>32.0</c:v>
+                  <c:v>32</c:v>
                 </c:pt>
                 <c:pt idx="1">
-                  <c:v>32.0</c:v>
+                  <c:v>32</c:v>
                 </c:pt>
                 <c:pt idx="2">
-                  <c:v>28.0</c:v>
+                  <c:v>28</c:v>
                 </c:pt>
                 <c:pt idx="3">
-                  <c:v>12.0</c:v>
+                  <c:v>12</c:v>
                 </c:pt>
                 <c:pt idx="4">
-                  <c:v>15.0</c:v>
+                  <c:v>15</c:v>
                 </c:pt>
               </c:numCache>
             </c:numRef>
           </c:val>
-          <c:extLst xmlns:c16r2="http://schemas.microsoft.com/office/drawing/2015/06/chart">
-            <c:ext xmlns:c16="http://schemas.microsoft.com/office/drawing/2014/chart" uri="{C3380CC4-5D6E-409C-BE32-E72D297353CC}">
-              <c16:uniqueId val="{00000000-1E67-498E-AF53-B5A5967AE892}"/>
-            </c:ext>
-          </c:extLst>
         </c:ser>
         <c:ser>
           <c:idx val="1"/>
@@ -840,26 +839,29 @@
               <a:effectLst/>
             </c:spPr>
           </c:marker>
+          <c:dLbls>
+            <c:delete val="1"/>
+          </c:dLbls>
           <c:cat>
             <c:numRef>
               <c:f>Sheet1!$A$2:$A$6</c:f>
               <c:numCache>
-                <c:formatCode>m/d/yyyy</c:formatCode>
+                <c:formatCode>yyyy/m/d</c:formatCode>
                 <c:ptCount val="5"/>
-                <c:pt idx="0">
-                  <c:v>37261.0</c:v>
+                <c:pt idx="0" c:formatCode="yyyy/m/d">
+                  <c:v>37261</c:v>
                 </c:pt>
-                <c:pt idx="1">
-                  <c:v>37262.0</c:v>
+                <c:pt idx="1" c:formatCode="yyyy/m/d">
+                  <c:v>37262</c:v>
                 </c:pt>
-                <c:pt idx="2">
-                  <c:v>37263.0</c:v>
+                <c:pt idx="2" c:formatCode="yyyy/m/d">
+                  <c:v>37263</c:v>
                 </c:pt>
-                <c:pt idx="3">
-                  <c:v>37264.0</c:v>
+                <c:pt idx="3" c:formatCode="yyyy/m/d">
+                  <c:v>37264</c:v>
                 </c:pt>
-                <c:pt idx="4">
-                  <c:v>37265.0</c:v>
+                <c:pt idx="4" c:formatCode="yyyy/m/d">
+                  <c:v>37265</c:v>
                 </c:pt>
               </c:numCache>
             </c:numRef>
@@ -871,28 +873,23 @@
                 <c:formatCode>General</c:formatCode>
                 <c:ptCount val="5"/>
                 <c:pt idx="0">
-                  <c:v>12.0</c:v>
+                  <c:v>12</c:v>
                 </c:pt>
                 <c:pt idx="1">
-                  <c:v>12.0</c:v>
+                  <c:v>12</c:v>
                 </c:pt>
                 <c:pt idx="2">
-                  <c:v>12.0</c:v>
+                  <c:v>12</c:v>
                 </c:pt>
                 <c:pt idx="3">
-                  <c:v>21.0</c:v>
+                  <c:v>21</c:v>
                 </c:pt>
                 <c:pt idx="4">
-                  <c:v>28.0</c:v>
+                  <c:v>28</c:v>
                 </c:pt>
               </c:numCache>
             </c:numRef>
           </c:val>
-          <c:extLst xmlns:c16r2="http://schemas.microsoft.com/office/drawing/2015/06/chart">
-            <c:ext xmlns:c16="http://schemas.microsoft.com/office/drawing/2014/chart" uri="{C3380CC4-5D6E-409C-BE32-E72D297353CC}">
-              <c16:uniqueId val="{00000001-1E67-498E-AF53-B5A5967AE892}"/>
-            </c:ext>
-          </c:extLst>
         </c:ser>
         <c:ser>
           <c:idx val="2"/>
@@ -932,26 +929,29 @@
               <a:effectLst/>
             </c:spPr>
           </c:marker>
+          <c:dLbls>
+            <c:delete val="1"/>
+          </c:dLbls>
           <c:cat>
             <c:numRef>
               <c:f>Sheet1!$A$2:$A$6</c:f>
               <c:numCache>
-                <c:formatCode>m/d/yyyy</c:formatCode>
+                <c:formatCode>yyyy/m/d</c:formatCode>
                 <c:ptCount val="5"/>
-                <c:pt idx="0">
-                  <c:v>37261.0</c:v>
+                <c:pt idx="0" c:formatCode="yyyy/m/d">
+                  <c:v>37261</c:v>
                 </c:pt>
-                <c:pt idx="1">
-                  <c:v>37262.0</c:v>
+                <c:pt idx="1" c:formatCode="yyyy/m/d">
+                  <c:v>37262</c:v>
                 </c:pt>
-                <c:pt idx="2">
-                  <c:v>37263.0</c:v>
+                <c:pt idx="2" c:formatCode="yyyy/m/d">
+                  <c:v>37263</c:v>
                 </c:pt>
-                <c:pt idx="3">
-                  <c:v>37264.0</c:v>
+                <c:pt idx="3" c:formatCode="yyyy/m/d">
+                  <c:v>37264</c:v>
                 </c:pt>
-                <c:pt idx="4">
-                  <c:v>37265.0</c:v>
+                <c:pt idx="4" c:formatCode="yyyy/m/d">
+                  <c:v>37265</c:v>
                 </c:pt>
               </c:numCache>
             </c:numRef>
@@ -963,28 +963,23 @@
                 <c:formatCode>General</c:formatCode>
                 <c:ptCount val="5"/>
                 <c:pt idx="0">
-                  <c:v>32.0</c:v>
+                  <c:v>32</c:v>
                 </c:pt>
                 <c:pt idx="1">
-                  <c:v>23.0</c:v>
+                  <c:v>23</c:v>
                 </c:pt>
                 <c:pt idx="2">
-                  <c:v>22.0</c:v>
+                  <c:v>22</c:v>
                 </c:pt>
                 <c:pt idx="3">
-                  <c:v>3.0</c:v>
+                  <c:v>3</c:v>
                 </c:pt>
                 <c:pt idx="4">
-                  <c:v>5.0</c:v>
+                  <c:v>5</c:v>
                 </c:pt>
               </c:numCache>
             </c:numRef>
           </c:val>
-          <c:extLst xmlns:c16r2="http://schemas.microsoft.com/office/drawing/2015/06/chart">
-            <c:ext xmlns:c16="http://schemas.microsoft.com/office/drawing/2014/chart" uri="{C3380CC4-5D6E-409C-BE32-E72D297353CC}">
-              <c16:uniqueId val="{00000002-1E67-498E-AF53-B5A5967AE892}"/>
-            </c:ext>
-          </c:extLst>
         </c:ser>
         <c:ser>
           <c:idx val="3"/>
@@ -1024,26 +1019,29 @@
               <a:effectLst/>
             </c:spPr>
           </c:marker>
+          <c:dLbls>
+            <c:delete val="1"/>
+          </c:dLbls>
           <c:cat>
             <c:numRef>
               <c:f>Sheet1!$A$2:$A$6</c:f>
               <c:numCache>
-                <c:formatCode>m/d/yyyy</c:formatCode>
+                <c:formatCode>yyyy/m/d</c:formatCode>
                 <c:ptCount val="5"/>
-                <c:pt idx="0">
-                  <c:v>37261.0</c:v>
+                <c:pt idx="0" c:formatCode="yyyy/m/d">
+                  <c:v>37261</c:v>
                 </c:pt>
-                <c:pt idx="1">
-                  <c:v>37262.0</c:v>
+                <c:pt idx="1" c:formatCode="yyyy/m/d">
+                  <c:v>37262</c:v>
                 </c:pt>
-                <c:pt idx="2">
-                  <c:v>37263.0</c:v>
+                <c:pt idx="2" c:formatCode="yyyy/m/d">
+                  <c:v>37263</c:v>
                 </c:pt>
-                <c:pt idx="3">
-                  <c:v>37264.0</c:v>
+                <c:pt idx="3" c:formatCode="yyyy/m/d">
+                  <c:v>37264</c:v>
                 </c:pt>
-                <c:pt idx="4">
-                  <c:v>37265.0</c:v>
+                <c:pt idx="4" c:formatCode="yyyy/m/d">
+                  <c:v>37265</c:v>
                 </c:pt>
               </c:numCache>
             </c:numRef>
@@ -1055,28 +1053,23 @@
                 <c:formatCode>General</c:formatCode>
                 <c:ptCount val="5"/>
                 <c:pt idx="0">
-                  <c:v>12.0</c:v>
+                  <c:v>12</c:v>
                 </c:pt>
                 <c:pt idx="1">
-                  <c:v>7.0</c:v>
+                  <c:v>7</c:v>
                 </c:pt>
                 <c:pt idx="2">
-                  <c:v>15.0</c:v>
+                  <c:v>15</c:v>
                 </c:pt>
                 <c:pt idx="3">
-                  <c:v>27.0</c:v>
+                  <c:v>27</c:v>
                 </c:pt>
                 <c:pt idx="4">
-                  <c:v>7.0</c:v>
+                  <c:v>7</c:v>
                 </c:pt>
               </c:numCache>
             </c:numRef>
           </c:val>
-          <c:extLst xmlns:c16r2="http://schemas.microsoft.com/office/drawing/2015/06/chart">
-            <c:ext xmlns:c16="http://schemas.microsoft.com/office/drawing/2014/chart" uri="{C3380CC4-5D6E-409C-BE32-E72D297353CC}">
-              <c16:uniqueId val="{00000003-1E67-498E-AF53-B5A5967AE892}"/>
-            </c:ext>
-          </c:extLst>
         </c:ser>
         <c:dLbls>
           <c:showLegendKey val="0"/>
@@ -1118,7 +1111,7 @@
           <a:lstStyle/>
           <a:p>
             <a:pPr>
-              <a:defRPr sz="1197" b="0" i="0" u="none" strike="noStrike" kern="1200" baseline="0">
+              <a:defRPr lang="zh-CN" sz="1195" b="0" i="0" u="none" strike="noStrike" kern="1200" baseline="0">
                 <a:solidFill>
                   <a:schemeClr val="tx1">
                     <a:lumMod val="65000"/>
@@ -1130,7 +1123,6 @@
                 <a:cs typeface="+mn-cs"/>
               </a:defRPr>
             </a:pPr>
-            <a:endParaRPr lang="zh-CN"/>
           </a:p>
         </c:txPr>
         <c:crossAx val="-2132296840"/>
@@ -1177,7 +1169,7 @@
           <a:lstStyle/>
           <a:p>
             <a:pPr>
-              <a:defRPr sz="1197" b="0" i="0" u="none" strike="noStrike" kern="1200" baseline="0">
+              <a:defRPr lang="zh-CN" sz="1195" b="0" i="0" u="none" strike="noStrike" kern="1200" baseline="0">
                 <a:solidFill>
                   <a:schemeClr val="tx1">
                     <a:lumMod val="65000"/>
@@ -1189,7 +1181,6 @@
                 <a:cs typeface="+mn-cs"/>
               </a:defRPr>
             </a:pPr>
-            <a:endParaRPr lang="zh-CN"/>
           </a:p>
         </c:txPr>
         <c:crossAx val="-2132225496"/>
@@ -1220,9 +1211,8 @@
     <a:lstStyle/>
     <a:p>
       <a:pPr>
-        <a:defRPr/>
+        <a:defRPr lang="zh-CN"/>
       </a:pPr>
-      <a:endParaRPr lang="zh-CN"/>
     </a:p>
   </c:txPr>
   <c:externalData r:id="rId1">
@@ -1231,7 +1221,7 @@
 </c:chartSpace>
 </file>
 
-<file path=ppt/charts/colors3.xml><?xml version="1.0" encoding="utf-8"?>
+<file path=ppt/charts/colors1.xml><?xml version="1.0" encoding="utf-8"?>
 <cs:colorStyle xmlns:cs="http://schemas.microsoft.com/office/drawing/2012/chartStyle" xmlns:a="http://schemas.openxmlformats.org/drawingml/2006/main" meth="cycle" id="10">
   <a:schemeClr val="accent1"/>
   <a:schemeClr val="accent2"/>
@@ -1271,7 +1261,7 @@
 </cs:colorStyle>
 </file>
 
-<file path=ppt/charts/style3.xml><?xml version="1.0" encoding="utf-8"?>
+<file path=ppt/charts/style1.xml><?xml version="1.0" encoding="utf-8"?>
 <cs:chartStyle xmlns:cs="http://schemas.microsoft.com/office/drawing/2012/chartStyle" xmlns:a="http://schemas.openxmlformats.org/drawingml/2006/main" id="317">
   <cs:axisTitle>
     <cs:lnRef idx="0"/>
@@ -1306,7 +1296,7 @@
         <a:round/>
       </a:ln>
     </cs:spPr>
-    <cs:defRPr sz="1197" kern="1200"/>
+    <cs:defRPr sz="1195" kern="1200"/>
   </cs:categoryAxis>
   <cs:chartArea mods="allowNoFillOverride allowNoLineOverride">
     <cs:lnRef idx="0"/>
@@ -1341,7 +1331,7 @@
         <a:lumOff val="25000"/>
       </a:schemeClr>
     </cs:fontRef>
-    <cs:defRPr sz="1197" kern="1200"/>
+    <cs:defRPr sz="1195" kern="1200"/>
   </cs:dataLabel>
   <cs:dataLabelCallout>
     <cs:lnRef idx="0"/>
@@ -1366,7 +1356,7 @@
         </a:solidFill>
       </a:ln>
     </cs:spPr>
-    <cs:defRPr sz="1197" kern="1200"/>
+    <cs:defRPr sz="1195" kern="1200"/>
     <cs:bodyPr rot="0" spcFirstLastPara="1" vertOverflow="clip" horzOverflow="clip" vert="horz" wrap="square" lIns="36576" tIns="18288" rIns="36576" bIns="18288" anchor="ctr" anchorCtr="1">
       <a:spAutoFit/>
     </cs:bodyPr>
@@ -1469,7 +1459,7 @@
         <a:round/>
       </a:ln>
     </cs:spPr>
-    <cs:defRPr sz="1197" kern="1200"/>
+    <cs:defRPr sz="1195" kern="1200"/>
   </cs:dataTable>
   <cs:downBar>
     <cs:lnRef idx="0"/>
@@ -1634,7 +1624,7 @@
         <a:lumOff val="35000"/>
       </a:schemeClr>
     </cs:fontRef>
-    <cs:defRPr sz="1197" kern="1200"/>
+    <cs:defRPr sz="1195" kern="1200"/>
   </cs:legend>
   <cs:plotArea mods="allowNoFillOverride allowNoLineOverride">
     <cs:lnRef idx="0"/>
@@ -1662,7 +1652,7 @@
         <a:lumOff val="35000"/>
       </a:schemeClr>
     </cs:fontRef>
-    <cs:defRPr sz="1197" kern="1200"/>
+    <cs:defRPr sz="1195" kern="1200"/>
   </cs:seriesAxis>
   <cs:seriesLine>
     <cs:lnRef idx="0"/>
@@ -1693,7 +1683,7 @@
         <a:lumOff val="35000"/>
       </a:schemeClr>
     </cs:fontRef>
-    <cs:defRPr sz="1862" b="0" kern="1200" spc="0" baseline="0"/>
+    <cs:defRPr sz="1860" b="0" kern="1200" spc="0" baseline="0"/>
   </cs:title>
   <cs:trendline>
     <cs:lnRef idx="0">
@@ -1723,7 +1713,7 @@
         <a:lumOff val="35000"/>
       </a:schemeClr>
     </cs:fontRef>
-    <cs:defRPr sz="1197" kern="1200"/>
+    <cs:defRPr sz="1195" kern="1200"/>
   </cs:trendlineLabel>
   <cs:upBar>
     <cs:lnRef idx="0"/>
@@ -1757,7 +1747,7 @@
         <a:lumOff val="35000"/>
       </a:schemeClr>
     </cs:fontRef>
-    <cs:defRPr sz="1197" kern="1200"/>
+    <cs:defRPr sz="1195" kern="1200"/>
   </cs:valueAxis>
   <cs:wall>
     <cs:lnRef idx="0"/>
@@ -1821,9 +1811,9 @@
             <a:lvl1pPr marL="0" indent="0" algn="l">
               <a:buNone/>
               <a:defRPr sz="2000" b="1">
-                <a:latin typeface="Microsoft YaHei" charset="0"/>
-                <a:ea typeface="Microsoft YaHei" charset="0"/>
-                <a:cs typeface="Microsoft YaHei" charset="0"/>
+                <a:latin typeface="微软雅黑" panose="020B0503020204020204" charset="-122"/>
+                <a:ea typeface="微软雅黑" panose="020B0503020204020204" charset="-122"/>
+                <a:cs typeface="微软雅黑" panose="020B0503020204020204" charset="-122"/>
               </a:defRPr>
             </a:lvl1pPr>
           </a:lstStyle>
@@ -1922,8 +1912,8 @@
               <a:solidFill>
                 <a:prstClr val="white"/>
               </a:solidFill>
-              <a:latin typeface="Calibri"/>
-              <a:ea typeface="宋体"/>
+              <a:latin typeface="Calibri" panose="020F0502020204030204"/>
+              <a:ea typeface="宋体" panose="02010600030101010101" pitchFamily="2" charset="-122"/>
             </a:endParaRPr>
           </a:p>
         </p:txBody>
@@ -1973,8 +1963,8 @@
               <a:solidFill>
                 <a:prstClr val="white"/>
               </a:solidFill>
-              <a:latin typeface="Calibri"/>
-              <a:ea typeface="宋体"/>
+              <a:latin typeface="Calibri" panose="020F0502020204030204"/>
+              <a:ea typeface="宋体" panose="02010600030101010101" pitchFamily="2" charset="-122"/>
             </a:endParaRPr>
           </a:p>
         </p:txBody>
@@ -2024,8 +2014,8 @@
               <a:solidFill>
                 <a:prstClr val="white"/>
               </a:solidFill>
-              <a:latin typeface="Calibri"/>
-              <a:ea typeface="宋体"/>
+              <a:latin typeface="Calibri" panose="020F0502020204030204"/>
+              <a:ea typeface="宋体" panose="02010600030101010101" pitchFamily="2" charset="-122"/>
             </a:endParaRPr>
           </a:p>
         </p:txBody>
@@ -2075,8 +2065,8 @@
               <a:solidFill>
                 <a:prstClr val="white"/>
               </a:solidFill>
-              <a:latin typeface="Calibri"/>
-              <a:ea typeface="宋体"/>
+              <a:latin typeface="Calibri" panose="020F0502020204030204"/>
+              <a:ea typeface="宋体" panose="02010600030101010101" pitchFamily="2" charset="-122"/>
             </a:endParaRPr>
           </a:p>
         </p:txBody>
@@ -2126,8 +2116,8 @@
               <a:solidFill>
                 <a:prstClr val="white"/>
               </a:solidFill>
-              <a:latin typeface="Calibri"/>
-              <a:ea typeface="宋体"/>
+              <a:latin typeface="Calibri" panose="020F0502020204030204"/>
+              <a:ea typeface="宋体" panose="02010600030101010101" pitchFamily="2" charset="-122"/>
             </a:endParaRPr>
           </a:p>
         </p:txBody>
@@ -2177,8 +2167,8 @@
               <a:solidFill>
                 <a:prstClr val="white"/>
               </a:solidFill>
-              <a:latin typeface="Calibri"/>
-              <a:ea typeface="宋体"/>
+              <a:latin typeface="Calibri" panose="020F0502020204030204"/>
+              <a:ea typeface="宋体" panose="02010600030101010101" pitchFamily="2" charset="-122"/>
             </a:endParaRPr>
           </a:p>
         </p:txBody>
@@ -2228,8 +2218,8 @@
               <a:solidFill>
                 <a:prstClr val="white"/>
               </a:solidFill>
-              <a:latin typeface="Calibri"/>
-              <a:ea typeface="宋体"/>
+              <a:latin typeface="Calibri" panose="020F0502020204030204"/>
+              <a:ea typeface="宋体" panose="02010600030101010101" pitchFamily="2" charset="-122"/>
             </a:endParaRPr>
           </a:p>
         </p:txBody>
@@ -2279,18 +2269,13 @@
               <a:solidFill>
                 <a:prstClr val="white"/>
               </a:solidFill>
-              <a:latin typeface="Calibri"/>
-              <a:ea typeface="宋体"/>
+              <a:latin typeface="Calibri" panose="020F0502020204030204"/>
+              <a:ea typeface="宋体" panose="02010600030101010101" pitchFamily="2" charset="-122"/>
             </a:endParaRPr>
           </a:p>
         </p:txBody>
       </p:sp>
     </p:spTree>
-    <p:extLst>
-      <p:ext uri="{BB962C8B-B14F-4D97-AF65-F5344CB8AC3E}">
-        <p14:creationId xmlns:p14="http://schemas.microsoft.com/office/powerpoint/2010/main" val="1212534319"/>
-      </p:ext>
-    </p:extLst>
   </p:cSld>
   <p:clrMapOvr>
     <a:masterClrMapping/>
@@ -2343,9 +2328,9 @@
             <a:lvl1pPr marL="0" indent="0" algn="l">
               <a:buNone/>
               <a:defRPr sz="2000" b="1">
-                <a:latin typeface="Microsoft YaHei" charset="0"/>
-                <a:ea typeface="Microsoft YaHei" charset="0"/>
-                <a:cs typeface="Microsoft YaHei" charset="0"/>
+                <a:latin typeface="微软雅黑" panose="020B0503020204020204" charset="-122"/>
+                <a:ea typeface="微软雅黑" panose="020B0503020204020204" charset="-122"/>
+                <a:cs typeface="微软雅黑" panose="020B0503020204020204" charset="-122"/>
               </a:defRPr>
             </a:lvl1pPr>
           </a:lstStyle>
@@ -2444,8 +2429,8 @@
               <a:solidFill>
                 <a:prstClr val="white"/>
               </a:solidFill>
-              <a:latin typeface="Calibri"/>
-              <a:ea typeface="宋体"/>
+              <a:latin typeface="Calibri" panose="020F0502020204030204"/>
+              <a:ea typeface="宋体" panose="02010600030101010101" pitchFamily="2" charset="-122"/>
             </a:endParaRPr>
           </a:p>
         </p:txBody>
@@ -2495,8 +2480,8 @@
               <a:solidFill>
                 <a:prstClr val="white"/>
               </a:solidFill>
-              <a:latin typeface="Calibri"/>
-              <a:ea typeface="宋体"/>
+              <a:latin typeface="Calibri" panose="020F0502020204030204"/>
+              <a:ea typeface="宋体" panose="02010600030101010101" pitchFamily="2" charset="-122"/>
             </a:endParaRPr>
           </a:p>
         </p:txBody>
@@ -2546,8 +2531,8 @@
               <a:solidFill>
                 <a:prstClr val="white"/>
               </a:solidFill>
-              <a:latin typeface="Calibri"/>
-              <a:ea typeface="宋体"/>
+              <a:latin typeface="Calibri" panose="020F0502020204030204"/>
+              <a:ea typeface="宋体" panose="02010600030101010101" pitchFamily="2" charset="-122"/>
             </a:endParaRPr>
           </a:p>
         </p:txBody>
@@ -2597,8 +2582,8 @@
               <a:solidFill>
                 <a:prstClr val="white"/>
               </a:solidFill>
-              <a:latin typeface="Calibri"/>
-              <a:ea typeface="宋体"/>
+              <a:latin typeface="Calibri" panose="020F0502020204030204"/>
+              <a:ea typeface="宋体" panose="02010600030101010101" pitchFamily="2" charset="-122"/>
             </a:endParaRPr>
           </a:p>
         </p:txBody>
@@ -2648,8 +2633,8 @@
               <a:solidFill>
                 <a:prstClr val="white"/>
               </a:solidFill>
-              <a:latin typeface="Calibri"/>
-              <a:ea typeface="宋体"/>
+              <a:latin typeface="Calibri" panose="020F0502020204030204"/>
+              <a:ea typeface="宋体" panose="02010600030101010101" pitchFamily="2" charset="-122"/>
             </a:endParaRPr>
           </a:p>
         </p:txBody>
@@ -2699,8 +2684,8 @@
               <a:solidFill>
                 <a:prstClr val="white"/>
               </a:solidFill>
-              <a:latin typeface="Calibri"/>
-              <a:ea typeface="宋体"/>
+              <a:latin typeface="Calibri" panose="020F0502020204030204"/>
+              <a:ea typeface="宋体" panose="02010600030101010101" pitchFamily="2" charset="-122"/>
             </a:endParaRPr>
           </a:p>
         </p:txBody>
@@ -2750,8 +2735,8 @@
               <a:solidFill>
                 <a:prstClr val="white"/>
               </a:solidFill>
-              <a:latin typeface="Calibri"/>
-              <a:ea typeface="宋体"/>
+              <a:latin typeface="Calibri" panose="020F0502020204030204"/>
+              <a:ea typeface="宋体" panose="02010600030101010101" pitchFamily="2" charset="-122"/>
             </a:endParaRPr>
           </a:p>
         </p:txBody>
@@ -2801,18 +2786,13 @@
               <a:solidFill>
                 <a:prstClr val="white"/>
               </a:solidFill>
-              <a:latin typeface="Calibri"/>
-              <a:ea typeface="宋体"/>
+              <a:latin typeface="Calibri" panose="020F0502020204030204"/>
+              <a:ea typeface="宋体" panose="02010600030101010101" pitchFamily="2" charset="-122"/>
             </a:endParaRPr>
           </a:p>
         </p:txBody>
       </p:sp>
     </p:spTree>
-    <p:extLst>
-      <p:ext uri="{BB962C8B-B14F-4D97-AF65-F5344CB8AC3E}">
-        <p14:creationId xmlns:p14="http://schemas.microsoft.com/office/powerpoint/2010/main" val="43808084"/>
-      </p:ext>
-    </p:extLst>
   </p:cSld>
   <p:clrMapOvr>
     <a:masterClrMapping/>
@@ -2865,9 +2845,9 @@
             <a:lvl1pPr marL="0" indent="0" algn="l">
               <a:buNone/>
               <a:defRPr sz="2000" b="1">
-                <a:latin typeface="Microsoft YaHei" charset="0"/>
-                <a:ea typeface="Microsoft YaHei" charset="0"/>
-                <a:cs typeface="Microsoft YaHei" charset="0"/>
+                <a:latin typeface="微软雅黑" panose="020B0503020204020204" charset="-122"/>
+                <a:ea typeface="微软雅黑" panose="020B0503020204020204" charset="-122"/>
+                <a:cs typeface="微软雅黑" panose="020B0503020204020204" charset="-122"/>
               </a:defRPr>
             </a:lvl1pPr>
           </a:lstStyle>
@@ -2966,8 +2946,8 @@
               <a:solidFill>
                 <a:prstClr val="white"/>
               </a:solidFill>
-              <a:latin typeface="Calibri"/>
-              <a:ea typeface="宋体"/>
+              <a:latin typeface="Calibri" panose="020F0502020204030204"/>
+              <a:ea typeface="宋体" panose="02010600030101010101" pitchFamily="2" charset="-122"/>
             </a:endParaRPr>
           </a:p>
         </p:txBody>
@@ -3017,8 +2997,8 @@
               <a:solidFill>
                 <a:prstClr val="white"/>
               </a:solidFill>
-              <a:latin typeface="Calibri"/>
-              <a:ea typeface="宋体"/>
+              <a:latin typeface="Calibri" panose="020F0502020204030204"/>
+              <a:ea typeface="宋体" panose="02010600030101010101" pitchFamily="2" charset="-122"/>
             </a:endParaRPr>
           </a:p>
         </p:txBody>
@@ -3068,8 +3048,8 @@
               <a:solidFill>
                 <a:prstClr val="white"/>
               </a:solidFill>
-              <a:latin typeface="Calibri"/>
-              <a:ea typeface="宋体"/>
+              <a:latin typeface="Calibri" panose="020F0502020204030204"/>
+              <a:ea typeface="宋体" panose="02010600030101010101" pitchFamily="2" charset="-122"/>
             </a:endParaRPr>
           </a:p>
         </p:txBody>
@@ -3119,8 +3099,8 @@
               <a:solidFill>
                 <a:prstClr val="white"/>
               </a:solidFill>
-              <a:latin typeface="Calibri"/>
-              <a:ea typeface="宋体"/>
+              <a:latin typeface="Calibri" panose="020F0502020204030204"/>
+              <a:ea typeface="宋体" panose="02010600030101010101" pitchFamily="2" charset="-122"/>
             </a:endParaRPr>
           </a:p>
         </p:txBody>
@@ -3170,8 +3150,8 @@
               <a:solidFill>
                 <a:prstClr val="white"/>
               </a:solidFill>
-              <a:latin typeface="Calibri"/>
-              <a:ea typeface="宋体"/>
+              <a:latin typeface="Calibri" panose="020F0502020204030204"/>
+              <a:ea typeface="宋体" panose="02010600030101010101" pitchFamily="2" charset="-122"/>
             </a:endParaRPr>
           </a:p>
         </p:txBody>
@@ -3221,8 +3201,8 @@
               <a:solidFill>
                 <a:prstClr val="white"/>
               </a:solidFill>
-              <a:latin typeface="Calibri"/>
-              <a:ea typeface="宋体"/>
+              <a:latin typeface="Calibri" panose="020F0502020204030204"/>
+              <a:ea typeface="宋体" panose="02010600030101010101" pitchFamily="2" charset="-122"/>
             </a:endParaRPr>
           </a:p>
         </p:txBody>
@@ -3272,8 +3252,8 @@
               <a:solidFill>
                 <a:prstClr val="white"/>
               </a:solidFill>
-              <a:latin typeface="Calibri"/>
-              <a:ea typeface="宋体"/>
+              <a:latin typeface="Calibri" panose="020F0502020204030204"/>
+              <a:ea typeface="宋体" panose="02010600030101010101" pitchFamily="2" charset="-122"/>
             </a:endParaRPr>
           </a:p>
         </p:txBody>
@@ -3323,18 +3303,13 @@
               <a:solidFill>
                 <a:prstClr val="white"/>
               </a:solidFill>
-              <a:latin typeface="Calibri"/>
-              <a:ea typeface="宋体"/>
+              <a:latin typeface="Calibri" panose="020F0502020204030204"/>
+              <a:ea typeface="宋体" panose="02010600030101010101" pitchFamily="2" charset="-122"/>
             </a:endParaRPr>
           </a:p>
         </p:txBody>
       </p:sp>
     </p:spTree>
-    <p:extLst>
-      <p:ext uri="{BB962C8B-B14F-4D97-AF65-F5344CB8AC3E}">
-        <p14:creationId xmlns:p14="http://schemas.microsoft.com/office/powerpoint/2010/main" val="4023066379"/>
-      </p:ext>
-    </p:extLst>
   </p:cSld>
   <p:clrMapOvr>
     <a:masterClrMapping/>
@@ -3388,7 +3363,7 @@
           </a:bodyPr>
           <a:lstStyle/>
           <a:p>
-            <a:pPr marL="0" marR="0" lvl="0" indent="0" defTabSz="609585" eaLnBrk="1" fontAlgn="auto" latinLnBrk="0" hangingPunct="1">
+            <a:pPr marL="0" marR="0" lvl="0" indent="0" defTabSz="608965" eaLnBrk="1" fontAlgn="auto" latinLnBrk="0" hangingPunct="1">
               <a:lnSpc>
                 <a:spcPct val="100000"/>
               </a:lnSpc>
@@ -3402,7 +3377,6 @@
               <a:buSzTx/>
               <a:buFontTx/>
               <a:buNone/>
-              <a:tabLst/>
               <a:defRPr/>
             </a:pPr>
             <a:r>
@@ -3416,12 +3390,26 @@
                 <a:effectLst/>
                 <a:uLnTx/>
                 <a:uFillTx/>
-                <a:latin typeface="Segoe UI Light"/>
-                <a:ea typeface="微软雅黑"/>
-                <a:cs typeface="Segoe UI Light"/>
+                <a:latin typeface="Segoe UI Light" panose="020B0502040204020203"/>
+                <a:ea typeface="微软雅黑" panose="020B0503020204020204" charset="-122"/>
+                <a:cs typeface="Segoe UI Light" panose="020B0502040204020203"/>
               </a:rPr>
               <a:t>标注</a:t>
             </a:r>
+            <a:endParaRPr kumimoji="0" lang="zh-CN" altLang="en-US" sz="1800" b="0" i="0" u="none" strike="noStrike" kern="0" cap="none" spc="0" normalizeH="0" baseline="0" noProof="0" dirty="0">
+              <a:ln>
+                <a:noFill/>
+              </a:ln>
+              <a:solidFill>
+                <a:srgbClr val="FFFFFF"/>
+              </a:solidFill>
+              <a:effectLst/>
+              <a:uLnTx/>
+              <a:uFillTx/>
+              <a:latin typeface="Segoe UI Light" panose="020B0502040204020203"/>
+              <a:ea typeface="微软雅黑" panose="020B0503020204020204" charset="-122"/>
+              <a:cs typeface="Segoe UI Light" panose="020B0502040204020203"/>
+            </a:endParaRPr>
           </a:p>
         </p:txBody>
       </p:sp>
@@ -3446,7 +3434,7 @@
           </a:bodyPr>
           <a:lstStyle/>
           <a:p>
-            <a:pPr marL="0" marR="0" lvl="0" indent="0" defTabSz="609585" eaLnBrk="1" fontAlgn="auto" latinLnBrk="0" hangingPunct="1">
+            <a:pPr marL="0" marR="0" lvl="0" indent="0" defTabSz="608965" eaLnBrk="1" fontAlgn="auto" latinLnBrk="0" hangingPunct="1">
               <a:lnSpc>
                 <a:spcPct val="130000"/>
               </a:lnSpc>
@@ -3460,7 +3448,6 @@
               <a:buSzTx/>
               <a:buFontTx/>
               <a:buNone/>
-              <a:tabLst/>
               <a:defRPr/>
             </a:pPr>
             <a:r>
@@ -3474,9 +3461,9 @@
                 <a:effectLst/>
                 <a:uLnTx/>
                 <a:uFillTx/>
-                <a:latin typeface="Segoe UI Light"/>
-                <a:ea typeface="微软雅黑"/>
-                <a:cs typeface="Segoe UI Light"/>
+                <a:latin typeface="Segoe UI Light" panose="020B0502040204020203"/>
+                <a:ea typeface="微软雅黑" panose="020B0503020204020204" charset="-122"/>
+                <a:cs typeface="Segoe UI Light" panose="020B0502040204020203"/>
               </a:rPr>
               <a:t>字体使用 </a:t>
             </a:r>
@@ -3490,13 +3477,13 @@
               <a:effectLst/>
               <a:uLnTx/>
               <a:uFillTx/>
-              <a:latin typeface="Segoe UI Light"/>
-              <a:ea typeface="微软雅黑"/>
-              <a:cs typeface="Segoe UI Light"/>
+              <a:latin typeface="Segoe UI Light" panose="020B0502040204020203"/>
+              <a:ea typeface="微软雅黑" panose="020B0503020204020204" charset="-122"/>
+              <a:cs typeface="Segoe UI Light" panose="020B0502040204020203"/>
             </a:endParaRPr>
           </a:p>
           <a:p>
-            <a:pPr marL="0" marR="0" lvl="0" indent="0" defTabSz="609585" eaLnBrk="1" fontAlgn="auto" latinLnBrk="0" hangingPunct="1">
+            <a:pPr marL="0" marR="0" lvl="0" indent="0" defTabSz="608965" eaLnBrk="1" fontAlgn="auto" latinLnBrk="0" hangingPunct="1">
               <a:lnSpc>
                 <a:spcPct val="130000"/>
               </a:lnSpc>
@@ -3510,7 +3497,6 @@
               <a:buSzTx/>
               <a:buFontTx/>
               <a:buNone/>
-              <a:tabLst/>
               <a:defRPr/>
             </a:pPr>
             <a:endParaRPr kumimoji="0" lang="en-US" altLang="zh-CN" sz="1400" b="0" i="0" u="none" strike="noStrike" kern="0" cap="none" spc="0" normalizeH="0" baseline="0" noProof="0" dirty="0">
@@ -3523,13 +3509,13 @@
               <a:effectLst/>
               <a:uLnTx/>
               <a:uFillTx/>
-              <a:latin typeface="Segoe UI Light"/>
-              <a:ea typeface="微软雅黑"/>
-              <a:cs typeface="Segoe UI Light"/>
+              <a:latin typeface="Segoe UI Light" panose="020B0502040204020203"/>
+              <a:ea typeface="微软雅黑" panose="020B0503020204020204" charset="-122"/>
+              <a:cs typeface="Segoe UI Light" panose="020B0502040204020203"/>
             </a:endParaRPr>
           </a:p>
           <a:p>
-            <a:pPr marL="0" marR="0" lvl="0" indent="0" defTabSz="609585" eaLnBrk="1" fontAlgn="auto" latinLnBrk="0" hangingPunct="1">
+            <a:pPr marL="0" marR="0" lvl="0" indent="0" defTabSz="608965" eaLnBrk="1" fontAlgn="auto" latinLnBrk="0" hangingPunct="1">
               <a:lnSpc>
                 <a:spcPct val="130000"/>
               </a:lnSpc>
@@ -3543,7 +3529,6 @@
               <a:buSzTx/>
               <a:buFontTx/>
               <a:buNone/>
-              <a:tabLst/>
               <a:defRPr/>
             </a:pPr>
             <a:endParaRPr kumimoji="0" lang="en-US" altLang="zh-CN" sz="1400" b="0" i="0" u="none" strike="noStrike" kern="0" cap="none" spc="0" normalizeH="0" baseline="0" noProof="0" dirty="0">
@@ -3556,13 +3541,13 @@
               <a:effectLst/>
               <a:uLnTx/>
               <a:uFillTx/>
-              <a:latin typeface="Segoe UI Light"/>
-              <a:ea typeface="微软雅黑"/>
-              <a:cs typeface="Segoe UI Light"/>
+              <a:latin typeface="Segoe UI Light" panose="020B0502040204020203"/>
+              <a:ea typeface="微软雅黑" panose="020B0503020204020204" charset="-122"/>
+              <a:cs typeface="Segoe UI Light" panose="020B0502040204020203"/>
             </a:endParaRPr>
           </a:p>
           <a:p>
-            <a:pPr marL="0" marR="0" lvl="0" indent="0" defTabSz="609585" eaLnBrk="1" fontAlgn="auto" latinLnBrk="0" hangingPunct="1">
+            <a:pPr marL="0" marR="0" lvl="0" indent="0" defTabSz="608965" eaLnBrk="1" fontAlgn="auto" latinLnBrk="0" hangingPunct="1">
               <a:lnSpc>
                 <a:spcPct val="130000"/>
               </a:lnSpc>
@@ -3576,7 +3561,6 @@
               <a:buSzTx/>
               <a:buFontTx/>
               <a:buNone/>
-              <a:tabLst/>
               <a:defRPr/>
             </a:pPr>
             <a:endParaRPr kumimoji="0" lang="en-US" altLang="zh-CN" sz="1400" b="0" i="0" u="none" strike="noStrike" kern="0" cap="none" spc="0" normalizeH="0" baseline="0" noProof="0" dirty="0">
@@ -3589,13 +3573,13 @@
               <a:effectLst/>
               <a:uLnTx/>
               <a:uFillTx/>
-              <a:latin typeface="Segoe UI Light"/>
-              <a:ea typeface="微软雅黑"/>
-              <a:cs typeface="Segoe UI Light"/>
+              <a:latin typeface="Segoe UI Light" panose="020B0502040204020203"/>
+              <a:ea typeface="微软雅黑" panose="020B0503020204020204" charset="-122"/>
+              <a:cs typeface="Segoe UI Light" panose="020B0502040204020203"/>
             </a:endParaRPr>
           </a:p>
           <a:p>
-            <a:pPr marL="0" marR="0" lvl="0" indent="0" defTabSz="609585" eaLnBrk="1" fontAlgn="auto" latinLnBrk="0" hangingPunct="1">
+            <a:pPr marL="0" marR="0" lvl="0" indent="0" defTabSz="608965" eaLnBrk="1" fontAlgn="auto" latinLnBrk="0" hangingPunct="1">
               <a:lnSpc>
                 <a:spcPct val="130000"/>
               </a:lnSpc>
@@ -3609,7 +3593,6 @@
               <a:buSzTx/>
               <a:buFontTx/>
               <a:buNone/>
-              <a:tabLst/>
               <a:defRPr/>
             </a:pPr>
             <a:endParaRPr kumimoji="0" lang="en-US" altLang="zh-CN" sz="1400" b="0" i="0" u="none" strike="noStrike" kern="0" cap="none" spc="0" normalizeH="0" baseline="0" noProof="0" dirty="0">
@@ -3622,13 +3605,13 @@
               <a:effectLst/>
               <a:uLnTx/>
               <a:uFillTx/>
-              <a:latin typeface="Segoe UI Light"/>
-              <a:ea typeface="微软雅黑"/>
-              <a:cs typeface="Segoe UI Light"/>
+              <a:latin typeface="Segoe UI Light" panose="020B0502040204020203"/>
+              <a:ea typeface="微软雅黑" panose="020B0503020204020204" charset="-122"/>
+              <a:cs typeface="Segoe UI Light" panose="020B0502040204020203"/>
             </a:endParaRPr>
           </a:p>
           <a:p>
-            <a:pPr marL="0" marR="0" lvl="0" indent="0" defTabSz="609585" eaLnBrk="1" fontAlgn="auto" latinLnBrk="0" hangingPunct="1">
+            <a:pPr marL="0" marR="0" lvl="0" indent="0" defTabSz="608965" eaLnBrk="1" fontAlgn="auto" latinLnBrk="0" hangingPunct="1">
               <a:lnSpc>
                 <a:spcPct val="130000"/>
               </a:lnSpc>
@@ -3642,7 +3625,6 @@
               <a:buSzTx/>
               <a:buFontTx/>
               <a:buNone/>
-              <a:tabLst/>
               <a:defRPr/>
             </a:pPr>
             <a:r>
@@ -3656,9 +3638,9 @@
                 <a:effectLst/>
                 <a:uLnTx/>
                 <a:uFillTx/>
-                <a:latin typeface="Segoe UI Light"/>
-                <a:ea typeface="微软雅黑"/>
-                <a:cs typeface="Segoe UI Light"/>
+                <a:latin typeface="Segoe UI Light" panose="020B0502040204020203"/>
+                <a:ea typeface="微软雅黑" panose="020B0503020204020204" charset="-122"/>
+                <a:cs typeface="Segoe UI Light" panose="020B0502040204020203"/>
               </a:rPr>
               <a:t>行距</a:t>
             </a:r>
@@ -3672,13 +3654,13 @@
               <a:effectLst/>
               <a:uLnTx/>
               <a:uFillTx/>
-              <a:latin typeface="Segoe UI Light"/>
-              <a:ea typeface="微软雅黑"/>
-              <a:cs typeface="Segoe UI Light"/>
+              <a:latin typeface="Segoe UI Light" panose="020B0502040204020203"/>
+              <a:ea typeface="微软雅黑" panose="020B0503020204020204" charset="-122"/>
+              <a:cs typeface="Segoe UI Light" panose="020B0502040204020203"/>
             </a:endParaRPr>
           </a:p>
           <a:p>
-            <a:pPr marL="0" marR="0" lvl="0" indent="0" defTabSz="609585" eaLnBrk="1" fontAlgn="auto" latinLnBrk="0" hangingPunct="1">
+            <a:pPr marL="0" marR="0" lvl="0" indent="0" defTabSz="608965" eaLnBrk="1" fontAlgn="auto" latinLnBrk="0" hangingPunct="1">
               <a:lnSpc>
                 <a:spcPct val="130000"/>
               </a:lnSpc>
@@ -3692,7 +3674,6 @@
               <a:buSzTx/>
               <a:buFontTx/>
               <a:buNone/>
-              <a:tabLst/>
               <a:defRPr/>
             </a:pPr>
             <a:endParaRPr kumimoji="0" lang="en-US" altLang="zh-CN" sz="1400" b="0" i="0" u="none" strike="noStrike" kern="0" cap="none" spc="0" normalizeH="0" baseline="0" noProof="0" dirty="0">
@@ -3705,13 +3686,13 @@
               <a:effectLst/>
               <a:uLnTx/>
               <a:uFillTx/>
-              <a:latin typeface="Segoe UI Light"/>
-              <a:ea typeface="微软雅黑"/>
-              <a:cs typeface="Segoe UI Light"/>
+              <a:latin typeface="Segoe UI Light" panose="020B0502040204020203"/>
+              <a:ea typeface="微软雅黑" panose="020B0503020204020204" charset="-122"/>
+              <a:cs typeface="Segoe UI Light" panose="020B0502040204020203"/>
             </a:endParaRPr>
           </a:p>
           <a:p>
-            <a:pPr marL="0" marR="0" lvl="0" indent="0" defTabSz="609585" eaLnBrk="1" fontAlgn="auto" latinLnBrk="0" hangingPunct="1">
+            <a:pPr marL="0" marR="0" lvl="0" indent="0" defTabSz="608965" eaLnBrk="1" fontAlgn="auto" latinLnBrk="0" hangingPunct="1">
               <a:lnSpc>
                 <a:spcPct val="130000"/>
               </a:lnSpc>
@@ -3725,7 +3706,6 @@
               <a:buSzTx/>
               <a:buFontTx/>
               <a:buNone/>
-              <a:tabLst/>
               <a:defRPr/>
             </a:pPr>
             <a:endParaRPr kumimoji="0" lang="en-US" altLang="zh-CN" sz="1400" b="0" i="0" u="none" strike="noStrike" kern="0" cap="none" spc="0" normalizeH="0" baseline="0" noProof="0" dirty="0">
@@ -3738,13 +3718,13 @@
               <a:effectLst/>
               <a:uLnTx/>
               <a:uFillTx/>
-              <a:latin typeface="Segoe UI Light"/>
-              <a:ea typeface="微软雅黑"/>
-              <a:cs typeface="Segoe UI Light"/>
+              <a:latin typeface="Segoe UI Light" panose="020B0502040204020203"/>
+              <a:ea typeface="微软雅黑" panose="020B0503020204020204" charset="-122"/>
+              <a:cs typeface="Segoe UI Light" panose="020B0502040204020203"/>
             </a:endParaRPr>
           </a:p>
           <a:p>
-            <a:pPr marL="0" marR="0" lvl="0" indent="0" defTabSz="609585" eaLnBrk="1" fontAlgn="auto" latinLnBrk="0" hangingPunct="1">
+            <a:pPr marL="0" marR="0" lvl="0" indent="0" defTabSz="608965" eaLnBrk="1" fontAlgn="auto" latinLnBrk="0" hangingPunct="1">
               <a:lnSpc>
                 <a:spcPct val="130000"/>
               </a:lnSpc>
@@ -3758,7 +3738,6 @@
               <a:buSzTx/>
               <a:buFontTx/>
               <a:buNone/>
-              <a:tabLst/>
               <a:defRPr/>
             </a:pPr>
             <a:r>
@@ -3772,15 +3751,29 @@
                 <a:effectLst/>
                 <a:uLnTx/>
                 <a:uFillTx/>
-                <a:latin typeface="Segoe UI Light"/>
-                <a:ea typeface="微软雅黑"/>
-                <a:cs typeface="Segoe UI Light"/>
+                <a:latin typeface="Segoe UI Light" panose="020B0502040204020203"/>
+                <a:ea typeface="微软雅黑" panose="020B0503020204020204" charset="-122"/>
+                <a:cs typeface="Segoe UI Light" panose="020B0502040204020203"/>
               </a:rPr>
               <a:t>背景图片出处</a:t>
             </a:r>
+            <a:endParaRPr kumimoji="0" lang="zh-CN" altLang="en-US" sz="1400" b="0" i="0" u="none" strike="noStrike" kern="0" cap="none" spc="0" normalizeH="0" baseline="0" noProof="0" dirty="0">
+              <a:ln>
+                <a:noFill/>
+              </a:ln>
+              <a:solidFill>
+                <a:srgbClr val="FFFFFF"/>
+              </a:solidFill>
+              <a:effectLst/>
+              <a:uLnTx/>
+              <a:uFillTx/>
+              <a:latin typeface="Segoe UI Light" panose="020B0502040204020203"/>
+              <a:ea typeface="微软雅黑" panose="020B0503020204020204" charset="-122"/>
+              <a:cs typeface="Segoe UI Light" panose="020B0502040204020203"/>
+            </a:endParaRPr>
           </a:p>
           <a:p>
-            <a:pPr marL="0" marR="0" lvl="0" indent="0" defTabSz="609585" eaLnBrk="1" fontAlgn="auto" latinLnBrk="0" hangingPunct="1">
+            <a:pPr marL="0" marR="0" lvl="0" indent="0" defTabSz="608965" eaLnBrk="1" fontAlgn="auto" latinLnBrk="0" hangingPunct="1">
               <a:lnSpc>
                 <a:spcPct val="130000"/>
               </a:lnSpc>
@@ -3794,7 +3787,6 @@
               <a:buSzTx/>
               <a:buFontTx/>
               <a:buNone/>
-              <a:tabLst/>
               <a:defRPr/>
             </a:pPr>
             <a:endParaRPr kumimoji="0" lang="zh-CN" altLang="en-US" sz="1400" b="0" i="0" u="none" strike="noStrike" kern="0" cap="none" spc="0" normalizeH="0" baseline="0" noProof="0" dirty="0">
@@ -3807,13 +3799,13 @@
               <a:effectLst/>
               <a:uLnTx/>
               <a:uFillTx/>
-              <a:latin typeface="Segoe UI Light"/>
-              <a:ea typeface="微软雅黑"/>
-              <a:cs typeface="Segoe UI Light"/>
+              <a:latin typeface="Segoe UI Light" panose="020B0502040204020203"/>
+              <a:ea typeface="微软雅黑" panose="020B0503020204020204" charset="-122"/>
+              <a:cs typeface="Segoe UI Light" panose="020B0502040204020203"/>
             </a:endParaRPr>
           </a:p>
           <a:p>
-            <a:pPr marL="0" marR="0" lvl="0" indent="0" defTabSz="609585" eaLnBrk="1" fontAlgn="auto" latinLnBrk="0" hangingPunct="1">
+            <a:pPr marL="0" marR="0" lvl="0" indent="0" defTabSz="608965" eaLnBrk="1" fontAlgn="auto" latinLnBrk="0" hangingPunct="1">
               <a:lnSpc>
                 <a:spcPct val="130000"/>
               </a:lnSpc>
@@ -3827,7 +3819,6 @@
               <a:buSzTx/>
               <a:buFontTx/>
               <a:buNone/>
-              <a:tabLst/>
               <a:defRPr/>
             </a:pPr>
             <a:endParaRPr kumimoji="0" lang="zh-CN" altLang="en-US" sz="1400" b="0" i="0" u="none" strike="noStrike" kern="0" cap="none" spc="0" normalizeH="0" baseline="0" noProof="0" dirty="0">
@@ -3840,13 +3831,13 @@
               <a:effectLst/>
               <a:uLnTx/>
               <a:uFillTx/>
-              <a:latin typeface="Segoe UI Light"/>
-              <a:ea typeface="微软雅黑"/>
-              <a:cs typeface="Segoe UI Light"/>
+              <a:latin typeface="Segoe UI Light" panose="020B0502040204020203"/>
+              <a:ea typeface="微软雅黑" panose="020B0503020204020204" charset="-122"/>
+              <a:cs typeface="Segoe UI Light" panose="020B0502040204020203"/>
             </a:endParaRPr>
           </a:p>
           <a:p>
-            <a:pPr marL="0" marR="0" lvl="0" indent="0" defTabSz="609585" eaLnBrk="1" fontAlgn="auto" latinLnBrk="0" hangingPunct="1">
+            <a:pPr marL="0" marR="0" lvl="0" indent="0" defTabSz="608965" eaLnBrk="1" fontAlgn="auto" latinLnBrk="0" hangingPunct="1">
               <a:lnSpc>
                 <a:spcPct val="130000"/>
               </a:lnSpc>
@@ -3860,7 +3851,6 @@
               <a:buSzTx/>
               <a:buFontTx/>
               <a:buNone/>
-              <a:tabLst/>
               <a:defRPr/>
             </a:pPr>
             <a:r>
@@ -3874,9 +3864,9 @@
                 <a:effectLst/>
                 <a:uLnTx/>
                 <a:uFillTx/>
-                <a:latin typeface="Segoe UI Light"/>
-                <a:ea typeface="微软雅黑"/>
-                <a:cs typeface="Segoe UI Light"/>
+                <a:latin typeface="Segoe UI Light" panose="020B0502040204020203"/>
+                <a:ea typeface="微软雅黑" panose="020B0503020204020204" charset="-122"/>
+                <a:cs typeface="Segoe UI Light" panose="020B0502040204020203"/>
               </a:rPr>
               <a:t>声明</a:t>
             </a:r>
@@ -3890,9 +3880,9 @@
               <a:effectLst/>
               <a:uLnTx/>
               <a:uFillTx/>
-              <a:latin typeface="Segoe UI Light"/>
-              <a:ea typeface="微软雅黑"/>
-              <a:cs typeface="Segoe UI Light"/>
+              <a:latin typeface="Segoe UI Light" panose="020B0502040204020203"/>
+              <a:ea typeface="微软雅黑" panose="020B0503020204020204" charset="-122"/>
+              <a:cs typeface="Segoe UI Light" panose="020B0502040204020203"/>
             </a:endParaRPr>
           </a:p>
         </p:txBody>
@@ -3932,7 +3922,6 @@
               <a:buSzTx/>
               <a:buFontTx/>
               <a:buNone/>
-              <a:tabLst/>
               <a:defRPr/>
             </a:pPr>
             <a:r>
@@ -3946,9 +3935,9 @@
                 <a:effectLst/>
                 <a:uLnTx/>
                 <a:uFillTx/>
-                <a:latin typeface="Segoe UI Light"/>
-                <a:ea typeface="微软雅黑"/>
-                <a:cs typeface="Segoe UI Light"/>
+                <a:latin typeface="Segoe UI Light" panose="020B0502040204020203"/>
+                <a:ea typeface="微软雅黑" panose="020B0503020204020204" charset="-122"/>
+                <a:cs typeface="Segoe UI Light" panose="020B0502040204020203"/>
               </a:rPr>
               <a:t>英文 </a:t>
             </a:r>
@@ -3963,14 +3952,27 @@
                 <a:effectLst/>
                 <a:uLnTx/>
                 <a:uFillTx/>
-                <a:latin typeface="Segoe UI Light"/>
-                <a:cs typeface="Segoe UI Light"/>
+                <a:latin typeface="Segoe UI Light" panose="020B0502040204020203"/>
+                <a:cs typeface="Segoe UI Light" panose="020B0502040204020203"/>
               </a:rPr>
               <a:t>Century Gothic</a:t>
             </a:r>
+            <a:endParaRPr kumimoji="0" lang="en-US" altLang="zh-CN" sz="1400" b="0" i="0" u="none" strike="noStrike" kern="0" cap="none" spc="0" normalizeH="0" baseline="0" noProof="0" dirty="0">
+              <a:ln>
+                <a:noFill/>
+              </a:ln>
+              <a:solidFill>
+                <a:srgbClr val="FFFFFF"/>
+              </a:solidFill>
+              <a:effectLst/>
+              <a:uLnTx/>
+              <a:uFillTx/>
+              <a:latin typeface="Segoe UI Light" panose="020B0502040204020203"/>
+              <a:cs typeface="Segoe UI Light" panose="020B0502040204020203"/>
+            </a:endParaRPr>
           </a:p>
           <a:p>
-            <a:pPr marL="0" marR="0" lvl="0" indent="0" defTabSz="609585" eaLnBrk="1" fontAlgn="auto" latinLnBrk="0" hangingPunct="1">
+            <a:pPr marL="0" marR="0" lvl="0" indent="0" defTabSz="608965" eaLnBrk="1" fontAlgn="auto" latinLnBrk="0" hangingPunct="1">
               <a:lnSpc>
                 <a:spcPct val="130000"/>
               </a:lnSpc>
@@ -3984,7 +3986,6 @@
               <a:buSzTx/>
               <a:buFontTx/>
               <a:buNone/>
-              <a:tabLst/>
               <a:defRPr/>
             </a:pPr>
             <a:endParaRPr kumimoji="0" lang="en-US" altLang="zh-CN" sz="1400" b="0" i="0" u="none" strike="noStrike" kern="0" cap="none" spc="0" normalizeH="0" baseline="0" noProof="0" dirty="0">
@@ -3997,13 +3998,13 @@
               <a:effectLst/>
               <a:uLnTx/>
               <a:uFillTx/>
-              <a:latin typeface="Segoe UI Light"/>
-              <a:ea typeface="微软雅黑"/>
-              <a:cs typeface="Segoe UI Light"/>
+              <a:latin typeface="Segoe UI Light" panose="020B0502040204020203"/>
+              <a:ea typeface="微软雅黑" panose="020B0503020204020204" charset="-122"/>
+              <a:cs typeface="Segoe UI Light" panose="020B0502040204020203"/>
             </a:endParaRPr>
           </a:p>
           <a:p>
-            <a:pPr marL="0" marR="0" lvl="0" indent="0" defTabSz="609585" eaLnBrk="1" fontAlgn="auto" latinLnBrk="0" hangingPunct="1">
+            <a:pPr marL="0" marR="0" lvl="0" indent="0" defTabSz="608965" eaLnBrk="1" fontAlgn="auto" latinLnBrk="0" hangingPunct="1">
               <a:lnSpc>
                 <a:spcPct val="130000"/>
               </a:lnSpc>
@@ -4017,7 +4018,6 @@
               <a:buSzTx/>
               <a:buFontTx/>
               <a:buNone/>
-              <a:tabLst/>
               <a:defRPr/>
             </a:pPr>
             <a:r>
@@ -4031,9 +4031,9 @@
                 <a:effectLst/>
                 <a:uLnTx/>
                 <a:uFillTx/>
-                <a:latin typeface="Segoe UI Light"/>
-                <a:ea typeface="微软雅黑"/>
-                <a:cs typeface="Segoe UI Light"/>
+                <a:latin typeface="Segoe UI Light" panose="020B0502040204020203"/>
+                <a:ea typeface="微软雅黑" panose="020B0503020204020204" charset="-122"/>
+                <a:cs typeface="Segoe UI Light" panose="020B0502040204020203"/>
               </a:rPr>
               <a:t>中文 微软雅黑</a:t>
             </a:r>
@@ -4047,13 +4047,13 @@
               <a:effectLst/>
               <a:uLnTx/>
               <a:uFillTx/>
-              <a:latin typeface="Segoe UI Light"/>
-              <a:ea typeface="微软雅黑"/>
-              <a:cs typeface="Segoe UI Light"/>
+              <a:latin typeface="Segoe UI Light" panose="020B0502040204020203"/>
+              <a:ea typeface="微软雅黑" panose="020B0503020204020204" charset="-122"/>
+              <a:cs typeface="Segoe UI Light" panose="020B0502040204020203"/>
             </a:endParaRPr>
           </a:p>
           <a:p>
-            <a:pPr marL="0" marR="0" lvl="0" indent="0" defTabSz="609585" eaLnBrk="1" fontAlgn="auto" latinLnBrk="0" hangingPunct="1">
+            <a:pPr marL="0" marR="0" lvl="0" indent="0" defTabSz="608965" eaLnBrk="1" fontAlgn="auto" latinLnBrk="0" hangingPunct="1">
               <a:lnSpc>
                 <a:spcPct val="130000"/>
               </a:lnSpc>
@@ -4067,7 +4067,6 @@
               <a:buSzTx/>
               <a:buFontTx/>
               <a:buNone/>
-              <a:tabLst/>
               <a:defRPr/>
             </a:pPr>
             <a:endParaRPr kumimoji="0" lang="en-US" altLang="zh-CN" sz="1400" b="0" i="0" u="none" strike="noStrike" kern="0" cap="none" spc="0" normalizeH="0" baseline="0" noProof="0" dirty="0">
@@ -4080,13 +4079,13 @@
               <a:effectLst/>
               <a:uLnTx/>
               <a:uFillTx/>
-              <a:latin typeface="Segoe UI Light"/>
-              <a:ea typeface="微软雅黑"/>
-              <a:cs typeface="Segoe UI Light"/>
+              <a:latin typeface="Segoe UI Light" panose="020B0502040204020203"/>
+              <a:ea typeface="微软雅黑" panose="020B0503020204020204" charset="-122"/>
+              <a:cs typeface="Segoe UI Light" panose="020B0502040204020203"/>
             </a:endParaRPr>
           </a:p>
           <a:p>
-            <a:pPr marL="0" marR="0" lvl="0" indent="0" defTabSz="609585" eaLnBrk="1" fontAlgn="auto" latinLnBrk="0" hangingPunct="1">
+            <a:pPr marL="0" marR="0" lvl="0" indent="0" defTabSz="608965" eaLnBrk="1" fontAlgn="auto" latinLnBrk="0" hangingPunct="1">
               <a:lnSpc>
                 <a:spcPct val="130000"/>
               </a:lnSpc>
@@ -4100,7 +4099,6 @@
               <a:buSzTx/>
               <a:buFontTx/>
               <a:buNone/>
-              <a:tabLst/>
               <a:defRPr/>
             </a:pPr>
             <a:endParaRPr kumimoji="0" lang="en-US" altLang="zh-CN" sz="1400" b="0" i="0" u="none" strike="noStrike" kern="0" cap="none" spc="0" normalizeH="0" baseline="0" noProof="0" dirty="0">
@@ -4113,13 +4111,13 @@
               <a:effectLst/>
               <a:uLnTx/>
               <a:uFillTx/>
-              <a:latin typeface="Segoe UI Light"/>
-              <a:ea typeface="微软雅黑"/>
-              <a:cs typeface="Segoe UI Light"/>
+              <a:latin typeface="Segoe UI Light" panose="020B0502040204020203"/>
+              <a:ea typeface="微软雅黑" panose="020B0503020204020204" charset="-122"/>
+              <a:cs typeface="Segoe UI Light" panose="020B0502040204020203"/>
             </a:endParaRPr>
           </a:p>
           <a:p>
-            <a:pPr marL="0" marR="0" lvl="0" indent="0" defTabSz="609585" eaLnBrk="1" fontAlgn="auto" latinLnBrk="0" hangingPunct="1">
+            <a:pPr marL="0" marR="0" lvl="0" indent="0" defTabSz="608965" eaLnBrk="1" fontAlgn="auto" latinLnBrk="0" hangingPunct="1">
               <a:lnSpc>
                 <a:spcPct val="130000"/>
               </a:lnSpc>
@@ -4133,7 +4131,6 @@
               <a:buSzTx/>
               <a:buFontTx/>
               <a:buNone/>
-              <a:tabLst/>
               <a:defRPr/>
             </a:pPr>
             <a:r>
@@ -4147,9 +4144,9 @@
                 <a:effectLst/>
                 <a:uLnTx/>
                 <a:uFillTx/>
-                <a:latin typeface="Segoe UI Light"/>
-                <a:ea typeface="微软雅黑"/>
-                <a:cs typeface="Segoe UI Light"/>
+                <a:latin typeface="Segoe UI Light" panose="020B0502040204020203"/>
+                <a:ea typeface="微软雅黑" panose="020B0503020204020204" charset="-122"/>
+                <a:cs typeface="Segoe UI Light" panose="020B0502040204020203"/>
               </a:rPr>
               <a:t>正文 </a:t>
             </a:r>
@@ -4164,15 +4161,29 @@
                 <a:effectLst/>
                 <a:uLnTx/>
                 <a:uFillTx/>
-                <a:latin typeface="Segoe UI Light"/>
-                <a:ea typeface="微软雅黑"/>
-                <a:cs typeface="Segoe UI Light"/>
+                <a:latin typeface="Segoe UI Light" panose="020B0502040204020203"/>
+                <a:ea typeface="微软雅黑" panose="020B0503020204020204" charset="-122"/>
+                <a:cs typeface="Segoe UI Light" panose="020B0502040204020203"/>
               </a:rPr>
               <a:t>1.3</a:t>
             </a:r>
+            <a:endParaRPr kumimoji="0" lang="en-US" altLang="zh-CN" sz="1400" b="0" i="0" u="none" strike="noStrike" kern="0" cap="none" spc="0" normalizeH="0" baseline="0" noProof="0" dirty="0">
+              <a:ln>
+                <a:noFill/>
+              </a:ln>
+              <a:solidFill>
+                <a:srgbClr val="FFFFFF"/>
+              </a:solidFill>
+              <a:effectLst/>
+              <a:uLnTx/>
+              <a:uFillTx/>
+              <a:latin typeface="Segoe UI Light" panose="020B0502040204020203"/>
+              <a:ea typeface="微软雅黑" panose="020B0503020204020204" charset="-122"/>
+              <a:cs typeface="Segoe UI Light" panose="020B0502040204020203"/>
+            </a:endParaRPr>
           </a:p>
           <a:p>
-            <a:pPr marL="0" marR="0" lvl="0" indent="0" defTabSz="609585" eaLnBrk="1" fontAlgn="auto" latinLnBrk="0" hangingPunct="1">
+            <a:pPr marL="0" marR="0" lvl="0" indent="0" defTabSz="608965" eaLnBrk="1" fontAlgn="auto" latinLnBrk="0" hangingPunct="1">
               <a:lnSpc>
                 <a:spcPct val="130000"/>
               </a:lnSpc>
@@ -4186,7 +4197,6 @@
               <a:buSzTx/>
               <a:buFontTx/>
               <a:buNone/>
-              <a:tabLst/>
               <a:defRPr/>
             </a:pPr>
             <a:endParaRPr kumimoji="0" lang="en-US" altLang="zh-CN" sz="1400" b="0" i="0" u="none" strike="noStrike" kern="0" cap="none" spc="0" normalizeH="0" baseline="0" noProof="0" dirty="0">
@@ -4199,13 +4209,13 @@
               <a:effectLst/>
               <a:uLnTx/>
               <a:uFillTx/>
-              <a:latin typeface="Segoe UI Light"/>
-              <a:ea typeface="微软雅黑"/>
-              <a:cs typeface="Segoe UI Light"/>
+              <a:latin typeface="Segoe UI Light" panose="020B0502040204020203"/>
+              <a:ea typeface="微软雅黑" panose="020B0503020204020204" charset="-122"/>
+              <a:cs typeface="Segoe UI Light" panose="020B0502040204020203"/>
             </a:endParaRPr>
           </a:p>
           <a:p>
-            <a:pPr marL="0" marR="0" lvl="0" indent="0" defTabSz="609585" eaLnBrk="1" fontAlgn="auto" latinLnBrk="0" hangingPunct="1">
+            <a:pPr marL="0" marR="0" lvl="0" indent="0" defTabSz="608965" eaLnBrk="1" fontAlgn="auto" latinLnBrk="0" hangingPunct="1">
               <a:lnSpc>
                 <a:spcPct val="130000"/>
               </a:lnSpc>
@@ -4219,7 +4229,6 @@
               <a:buSzTx/>
               <a:buFontTx/>
               <a:buNone/>
-              <a:tabLst/>
               <a:defRPr/>
             </a:pPr>
             <a:endParaRPr kumimoji="0" lang="en-US" altLang="zh-CN" sz="1400" b="0" i="0" u="none" strike="noStrike" kern="0" cap="none" spc="0" normalizeH="0" baseline="0" noProof="0" dirty="0">
@@ -4232,13 +4241,13 @@
               <a:effectLst/>
               <a:uLnTx/>
               <a:uFillTx/>
-              <a:latin typeface="Segoe UI Light"/>
-              <a:ea typeface="微软雅黑"/>
-              <a:cs typeface="Segoe UI Light"/>
+              <a:latin typeface="Segoe UI Light" panose="020B0502040204020203"/>
+              <a:ea typeface="微软雅黑" panose="020B0503020204020204" charset="-122"/>
+              <a:cs typeface="Segoe UI Light" panose="020B0502040204020203"/>
             </a:endParaRPr>
           </a:p>
           <a:p>
-            <a:pPr marL="0" marR="0" lvl="0" indent="0" defTabSz="609585" eaLnBrk="1" fontAlgn="auto" latinLnBrk="0" hangingPunct="1">
+            <a:pPr marL="0" marR="0" lvl="0" indent="0" defTabSz="608965" eaLnBrk="1" fontAlgn="auto" latinLnBrk="0" hangingPunct="1">
               <a:lnSpc>
                 <a:spcPct val="130000"/>
               </a:lnSpc>
@@ -4252,7 +4261,6 @@
               <a:buSzTx/>
               <a:buFontTx/>
               <a:buNone/>
-              <a:tabLst/>
               <a:defRPr/>
             </a:pPr>
             <a:r>
@@ -4266,9 +4274,9 @@
                 <a:effectLst/>
                 <a:uLnTx/>
                 <a:uFillTx/>
-                <a:latin typeface="Segoe UI Light"/>
-                <a:ea typeface="微软雅黑"/>
-                <a:cs typeface="Segoe UI Light"/>
+                <a:latin typeface="Segoe UI Light" panose="020B0502040204020203"/>
+                <a:ea typeface="微软雅黑" panose="020B0503020204020204" charset="-122"/>
+                <a:cs typeface="Segoe UI Light" panose="020B0502040204020203"/>
               </a:rPr>
               <a:t>cn.bing.com</a:t>
             </a:r>
@@ -4282,13 +4290,13 @@
               <a:effectLst/>
               <a:uLnTx/>
               <a:uFillTx/>
-              <a:latin typeface="Segoe UI Light"/>
-              <a:ea typeface="微软雅黑"/>
-              <a:cs typeface="Segoe UI Light"/>
+              <a:latin typeface="Segoe UI Light" panose="020B0502040204020203"/>
+              <a:ea typeface="微软雅黑" panose="020B0503020204020204" charset="-122"/>
+              <a:cs typeface="Segoe UI Light" panose="020B0502040204020203"/>
             </a:endParaRPr>
           </a:p>
           <a:p>
-            <a:pPr marL="0" marR="0" lvl="0" indent="0" defTabSz="609585" eaLnBrk="1" fontAlgn="auto" latinLnBrk="0" hangingPunct="1">
+            <a:pPr marL="0" marR="0" lvl="0" indent="0" defTabSz="608965" eaLnBrk="1" fontAlgn="auto" latinLnBrk="0" hangingPunct="1">
               <a:lnSpc>
                 <a:spcPct val="130000"/>
               </a:lnSpc>
@@ -4302,7 +4310,6 @@
               <a:buSzTx/>
               <a:buFontTx/>
               <a:buNone/>
-              <a:tabLst/>
               <a:defRPr/>
             </a:pPr>
             <a:endParaRPr kumimoji="0" lang="zh-CN" altLang="en-US" sz="1400" b="0" i="0" u="none" strike="noStrike" kern="0" cap="none" spc="0" normalizeH="0" baseline="0" noProof="0" dirty="0">
@@ -4315,13 +4322,13 @@
               <a:effectLst/>
               <a:uLnTx/>
               <a:uFillTx/>
-              <a:latin typeface="Segoe UI Light"/>
-              <a:ea typeface="微软雅黑"/>
-              <a:cs typeface="Segoe UI Light"/>
+              <a:latin typeface="Segoe UI Light" panose="020B0502040204020203"/>
+              <a:ea typeface="微软雅黑" panose="020B0503020204020204" charset="-122"/>
+              <a:cs typeface="Segoe UI Light" panose="020B0502040204020203"/>
             </a:endParaRPr>
           </a:p>
           <a:p>
-            <a:pPr marL="0" marR="0" lvl="0" indent="0" defTabSz="609585" eaLnBrk="1" fontAlgn="auto" latinLnBrk="0" hangingPunct="1">
+            <a:pPr marL="0" marR="0" lvl="0" indent="0" defTabSz="608965" eaLnBrk="1" fontAlgn="auto" latinLnBrk="0" hangingPunct="1">
               <a:lnSpc>
                 <a:spcPct val="130000"/>
               </a:lnSpc>
@@ -4335,7 +4342,6 @@
               <a:buSzTx/>
               <a:buFontTx/>
               <a:buNone/>
-              <a:tabLst/>
               <a:defRPr/>
             </a:pPr>
             <a:endParaRPr kumimoji="0" lang="zh-CN" altLang="en-US" sz="1400" b="0" i="0" u="none" strike="noStrike" kern="0" cap="none" spc="0" normalizeH="0" baseline="0" noProof="0" dirty="0">
@@ -4348,13 +4354,13 @@
               <a:effectLst/>
               <a:uLnTx/>
               <a:uFillTx/>
-              <a:latin typeface="Segoe UI Light"/>
-              <a:ea typeface="微软雅黑"/>
-              <a:cs typeface="Segoe UI Light"/>
+              <a:latin typeface="Segoe UI Light" panose="020B0502040204020203"/>
+              <a:ea typeface="微软雅黑" panose="020B0503020204020204" charset="-122"/>
+              <a:cs typeface="Segoe UI Light" panose="020B0502040204020203"/>
             </a:endParaRPr>
           </a:p>
           <a:p>
-            <a:pPr marL="0" marR="0" lvl="0" indent="0" algn="l" defTabSz="609585" rtl="0" eaLnBrk="1" fontAlgn="auto" latinLnBrk="0" hangingPunct="1">
+            <a:pPr marL="0" marR="0" lvl="0" indent="0" algn="l" defTabSz="608965" rtl="0" eaLnBrk="1" fontAlgn="auto" latinLnBrk="0" hangingPunct="1">
               <a:lnSpc>
                 <a:spcPct val="130000"/>
               </a:lnSpc>
@@ -4368,11 +4374,10 @@
               <a:buSzTx/>
               <a:buFontTx/>
               <a:buNone/>
-              <a:tabLst/>
               <a:defRPr/>
             </a:pPr>
             <a:r>
-              <a:rPr kumimoji="0" lang="zh-CN" altLang="en-US" sz="1333" b="0" i="0" u="none" strike="noStrike" kern="1200" cap="none" spc="0" normalizeH="0" baseline="0" noProof="0" dirty="0">
+              <a:rPr kumimoji="0" lang="zh-CN" altLang="en-US" sz="1335" b="0" i="0" u="none" strike="noStrike" kern="1200" cap="none" spc="0" normalizeH="0" baseline="0" noProof="0" dirty="0">
                 <a:ln>
                   <a:noFill/>
                 </a:ln>
@@ -4382,14 +4387,14 @@
                 <a:effectLst/>
                 <a:uLnTx/>
                 <a:uFillTx/>
-                <a:latin typeface="Century Gothic"/>
-                <a:ea typeface="微软雅黑" charset="0"/>
+                <a:latin typeface="Century Gothic" panose="020B0502020202020204"/>
+                <a:ea typeface="微软雅黑" panose="020B0503020204020204" charset="-122"/>
                 <a:cs typeface="+mn-cs"/>
               </a:rPr>
               <a:t>本网站所提供的任何信息内容（包括但不限于 </a:t>
             </a:r>
             <a:r>
-              <a:rPr kumimoji="0" lang="en-US" altLang="zh-CN" sz="1333" b="0" i="0" u="none" strike="noStrike" kern="1200" cap="none" spc="0" normalizeH="0" baseline="0" noProof="0" dirty="0">
+              <a:rPr kumimoji="0" lang="en-US" altLang="zh-CN" sz="1335" b="0" i="0" u="none" strike="noStrike" kern="1200" cap="none" spc="0" normalizeH="0" baseline="0" noProof="0" dirty="0">
                 <a:ln>
                   <a:noFill/>
                 </a:ln>
@@ -4399,14 +4404,14 @@
                 <a:effectLst/>
                 <a:uLnTx/>
                 <a:uFillTx/>
-                <a:latin typeface="Segoe UI Light" charset="0"/>
-                <a:ea typeface="Segoe UI Light" charset="0"/>
-                <a:cs typeface="Segoe UI Light" charset="0"/>
+                <a:latin typeface="Segoe UI Light" panose="020B0502040204020203" charset="0"/>
+                <a:ea typeface="Segoe UI Light" panose="020B0502040204020203" charset="0"/>
+                <a:cs typeface="Segoe UI Light" panose="020B0502040204020203" charset="0"/>
               </a:rPr>
               <a:t>PPT</a:t>
             </a:r>
             <a:r>
-              <a:rPr kumimoji="0" lang="zh-CN" altLang="en-US" sz="1333" b="0" i="0" u="none" strike="noStrike" kern="1200" cap="none" spc="0" normalizeH="0" baseline="0" noProof="0" dirty="0">
+              <a:rPr kumimoji="0" lang="zh-CN" altLang="en-US" sz="1335" b="0" i="0" u="none" strike="noStrike" kern="1200" cap="none" spc="0" normalizeH="0" baseline="0" noProof="0" dirty="0">
                 <a:ln>
                   <a:noFill/>
                 </a:ln>
@@ -4416,14 +4421,14 @@
                 <a:effectLst/>
                 <a:uLnTx/>
                 <a:uFillTx/>
-                <a:latin typeface="Segoe UI Light" charset="0"/>
-                <a:ea typeface="Segoe UI Light" charset="0"/>
-                <a:cs typeface="Segoe UI Light" charset="0"/>
+                <a:latin typeface="Segoe UI Light" panose="020B0502040204020203" charset="0"/>
+                <a:ea typeface="Segoe UI Light" panose="020B0502040204020203" charset="0"/>
+                <a:cs typeface="Segoe UI Light" panose="020B0502040204020203" charset="0"/>
               </a:rPr>
               <a:t> </a:t>
             </a:r>
             <a:r>
-              <a:rPr kumimoji="0" lang="zh-CN" altLang="en-US" sz="1333" b="0" i="0" u="none" strike="noStrike" kern="1200" cap="none" spc="0" normalizeH="0" baseline="0" noProof="0" dirty="0">
+              <a:rPr kumimoji="0" lang="zh-CN" altLang="en-US" sz="1335" b="0" i="0" u="none" strike="noStrike" kern="1200" cap="none" spc="0" normalizeH="0" baseline="0" noProof="0" dirty="0">
                 <a:ln>
                   <a:noFill/>
                 </a:ln>
@@ -4433,14 +4438,14 @@
                 <a:effectLst/>
                 <a:uLnTx/>
                 <a:uFillTx/>
-                <a:latin typeface="Century Gothic"/>
-                <a:ea typeface="微软雅黑" charset="0"/>
+                <a:latin typeface="Century Gothic" panose="020B0502020202020204"/>
+                <a:ea typeface="微软雅黑" panose="020B0503020204020204" charset="-122"/>
                 <a:cs typeface="+mn-cs"/>
               </a:rPr>
               <a:t>模板、</a:t>
             </a:r>
             <a:r>
-              <a:rPr kumimoji="0" lang="en-US" altLang="zh-CN" sz="1333" b="0" i="0" u="none" strike="noStrike" kern="1200" cap="none" spc="0" normalizeH="0" baseline="0" noProof="0" dirty="0">
+              <a:rPr kumimoji="0" lang="en-US" altLang="zh-CN" sz="1335" b="0" i="0" u="none" strike="noStrike" kern="1200" cap="none" spc="0" normalizeH="0" baseline="0" noProof="0" dirty="0">
                 <a:ln>
                   <a:noFill/>
                 </a:ln>
@@ -4450,14 +4455,14 @@
                 <a:effectLst/>
                 <a:uLnTx/>
                 <a:uFillTx/>
-                <a:latin typeface="Segoe UI Light" charset="0"/>
-                <a:ea typeface="Segoe UI Light" charset="0"/>
-                <a:cs typeface="Segoe UI Light" charset="0"/>
+                <a:latin typeface="Segoe UI Light" panose="020B0502040204020203" charset="0"/>
+                <a:ea typeface="Segoe UI Light" panose="020B0502040204020203" charset="0"/>
+                <a:cs typeface="Segoe UI Light" panose="020B0502040204020203" charset="0"/>
               </a:rPr>
               <a:t>Word</a:t>
             </a:r>
             <a:r>
-              <a:rPr kumimoji="0" lang="zh-CN" altLang="en-US" sz="1333" b="0" i="0" u="none" strike="noStrike" kern="1200" cap="none" spc="0" normalizeH="0" baseline="0" noProof="0" dirty="0">
+              <a:rPr kumimoji="0" lang="zh-CN" altLang="en-US" sz="1335" b="0" i="0" u="none" strike="noStrike" kern="1200" cap="none" spc="0" normalizeH="0" baseline="0" noProof="0" dirty="0">
                 <a:ln>
                   <a:noFill/>
                 </a:ln>
@@ -4467,14 +4472,14 @@
                 <a:effectLst/>
                 <a:uLnTx/>
                 <a:uFillTx/>
-                <a:latin typeface="Segoe UI Light" charset="0"/>
-                <a:ea typeface="Segoe UI Light" charset="0"/>
-                <a:cs typeface="Segoe UI Light" charset="0"/>
+                <a:latin typeface="Segoe UI Light" panose="020B0502040204020203" charset="0"/>
+                <a:ea typeface="Segoe UI Light" panose="020B0502040204020203" charset="0"/>
+                <a:cs typeface="Segoe UI Light" panose="020B0502040204020203" charset="0"/>
               </a:rPr>
               <a:t> </a:t>
             </a:r>
             <a:r>
-              <a:rPr kumimoji="0" lang="zh-CN" altLang="en-US" sz="1333" b="0" i="0" u="none" strike="noStrike" kern="1200" cap="none" spc="0" normalizeH="0" baseline="0" noProof="0" dirty="0">
+              <a:rPr kumimoji="0" lang="zh-CN" altLang="en-US" sz="1335" b="0" i="0" u="none" strike="noStrike" kern="1200" cap="none" spc="0" normalizeH="0" baseline="0" noProof="0" dirty="0">
                 <a:ln>
                   <a:noFill/>
                 </a:ln>
@@ -4484,14 +4489,14 @@
                 <a:effectLst/>
                 <a:uLnTx/>
                 <a:uFillTx/>
-                <a:latin typeface="Century Gothic"/>
-                <a:ea typeface="微软雅黑" charset="0"/>
+                <a:latin typeface="Century Gothic" panose="020B0502020202020204"/>
+                <a:ea typeface="微软雅黑" panose="020B0503020204020204" charset="-122"/>
                 <a:cs typeface="+mn-cs"/>
               </a:rPr>
               <a:t>文档、</a:t>
             </a:r>
             <a:r>
-              <a:rPr kumimoji="0" lang="en-US" altLang="zh-CN" sz="1333" b="0" i="0" u="none" strike="noStrike" kern="1200" cap="none" spc="0" normalizeH="0" baseline="0" noProof="0" dirty="0">
+              <a:rPr kumimoji="0" lang="en-US" altLang="zh-CN" sz="1335" b="0" i="0" u="none" strike="noStrike" kern="1200" cap="none" spc="0" normalizeH="0" baseline="0" noProof="0" dirty="0">
                 <a:ln>
                   <a:noFill/>
                 </a:ln>
@@ -4501,14 +4506,14 @@
                 <a:effectLst/>
                 <a:uLnTx/>
                 <a:uFillTx/>
-                <a:latin typeface="Segoe UI Light" charset="0"/>
-                <a:ea typeface="Segoe UI Light" charset="0"/>
-                <a:cs typeface="Segoe UI Light" charset="0"/>
+                <a:latin typeface="Segoe UI Light" panose="020B0502040204020203" charset="0"/>
+                <a:ea typeface="Segoe UI Light" panose="020B0502040204020203" charset="0"/>
+                <a:cs typeface="Segoe UI Light" panose="020B0502040204020203" charset="0"/>
               </a:rPr>
               <a:t>Excel</a:t>
             </a:r>
             <a:r>
-              <a:rPr kumimoji="0" lang="zh-CN" altLang="en-US" sz="1333" b="0" i="0" u="none" strike="noStrike" kern="1200" cap="none" spc="0" normalizeH="0" baseline="0" noProof="0" dirty="0">
+              <a:rPr kumimoji="0" lang="zh-CN" altLang="en-US" sz="1335" b="0" i="0" u="none" strike="noStrike" kern="1200" cap="none" spc="0" normalizeH="0" baseline="0" noProof="0" dirty="0">
                 <a:ln>
                   <a:noFill/>
                 </a:ln>
@@ -4518,14 +4523,14 @@
                 <a:effectLst/>
                 <a:uLnTx/>
                 <a:uFillTx/>
-                <a:latin typeface="Segoe UI Light" charset="0"/>
-                <a:ea typeface="Segoe UI Light" charset="0"/>
-                <a:cs typeface="Segoe UI Light" charset="0"/>
+                <a:latin typeface="Segoe UI Light" panose="020B0502040204020203" charset="0"/>
+                <a:ea typeface="Segoe UI Light" panose="020B0502040204020203" charset="0"/>
+                <a:cs typeface="Segoe UI Light" panose="020B0502040204020203" charset="0"/>
               </a:rPr>
               <a:t> </a:t>
             </a:r>
             <a:r>
-              <a:rPr kumimoji="0" lang="zh-CN" altLang="en-US" sz="1333" b="0" i="0" u="none" strike="noStrike" kern="1200" cap="none" spc="0" normalizeH="0" baseline="0" noProof="0" dirty="0">
+              <a:rPr kumimoji="0" lang="zh-CN" altLang="en-US" sz="1335" b="0" i="0" u="none" strike="noStrike" kern="1200" cap="none" spc="0" normalizeH="0" baseline="0" noProof="0" dirty="0">
                 <a:ln>
                   <a:noFill/>
                 </a:ln>
@@ -4535,14 +4540,14 @@
                 <a:effectLst/>
                 <a:uLnTx/>
                 <a:uFillTx/>
-                <a:latin typeface="Century Gothic"/>
-                <a:ea typeface="微软雅黑" charset="0"/>
+                <a:latin typeface="Century Gothic" panose="020B0502020202020204"/>
+                <a:ea typeface="微软雅黑" panose="020B0503020204020204" charset="-122"/>
                 <a:cs typeface="+mn-cs"/>
               </a:rPr>
               <a:t>图表、图片素材等）均受</a:t>
             </a:r>
             <a:r>
-              <a:rPr kumimoji="0" lang="en-US" altLang="zh-CN" sz="1333" b="0" i="0" u="none" strike="noStrike" kern="1200" cap="none" spc="0" normalizeH="0" baseline="0" noProof="0" dirty="0">
+              <a:rPr kumimoji="0" lang="en-US" altLang="zh-CN" sz="1335" b="0" i="0" u="none" strike="noStrike" kern="1200" cap="none" spc="0" normalizeH="0" baseline="0" noProof="0" dirty="0">
                 <a:ln>
                   <a:noFill/>
                 </a:ln>
@@ -4552,14 +4557,14 @@
                 <a:effectLst/>
                 <a:uLnTx/>
                 <a:uFillTx/>
-                <a:latin typeface="Century Gothic"/>
-                <a:ea typeface="微软雅黑" charset="0"/>
+                <a:latin typeface="Century Gothic" panose="020B0502020202020204"/>
+                <a:ea typeface="微软雅黑" panose="020B0503020204020204" charset="-122"/>
                 <a:cs typeface="+mn-cs"/>
               </a:rPr>
               <a:t>《</a:t>
             </a:r>
             <a:r>
-              <a:rPr kumimoji="0" lang="zh-CN" altLang="en-US" sz="1333" b="0" i="0" u="none" strike="noStrike" kern="1200" cap="none" spc="0" normalizeH="0" baseline="0" noProof="0" dirty="0">
+              <a:rPr kumimoji="0" lang="zh-CN" altLang="en-US" sz="1335" b="0" i="0" u="none" strike="noStrike" kern="1200" cap="none" spc="0" normalizeH="0" baseline="0" noProof="0" dirty="0">
                 <a:ln>
                   <a:noFill/>
                 </a:ln>
@@ -4569,14 +4574,14 @@
                 <a:effectLst/>
                 <a:uLnTx/>
                 <a:uFillTx/>
-                <a:latin typeface="Century Gothic"/>
-                <a:ea typeface="微软雅黑" charset="0"/>
+                <a:latin typeface="Century Gothic" panose="020B0502020202020204"/>
+                <a:ea typeface="微软雅黑" panose="020B0503020204020204" charset="-122"/>
                 <a:cs typeface="+mn-cs"/>
               </a:rPr>
               <a:t>中华人民共和国著作权法</a:t>
             </a:r>
             <a:r>
-              <a:rPr kumimoji="0" lang="en-US" altLang="zh-CN" sz="1333" b="0" i="0" u="none" strike="noStrike" kern="1200" cap="none" spc="0" normalizeH="0" baseline="0" noProof="0" dirty="0">
+              <a:rPr kumimoji="0" lang="en-US" altLang="zh-CN" sz="1335" b="0" i="0" u="none" strike="noStrike" kern="1200" cap="none" spc="0" normalizeH="0" baseline="0" noProof="0" dirty="0">
                 <a:ln>
                   <a:noFill/>
                 </a:ln>
@@ -4586,14 +4591,14 @@
                 <a:effectLst/>
                 <a:uLnTx/>
                 <a:uFillTx/>
-                <a:latin typeface="Century Gothic"/>
-                <a:ea typeface="微软雅黑" charset="0"/>
+                <a:latin typeface="Century Gothic" panose="020B0502020202020204"/>
+                <a:ea typeface="微软雅黑" panose="020B0503020204020204" charset="-122"/>
                 <a:cs typeface="+mn-cs"/>
               </a:rPr>
               <a:t>》</a:t>
             </a:r>
             <a:r>
-              <a:rPr kumimoji="0" lang="zh-CN" altLang="en-US" sz="1333" b="0" i="0" u="none" strike="noStrike" kern="1200" cap="none" spc="0" normalizeH="0" baseline="0" noProof="0" dirty="0">
+              <a:rPr kumimoji="0" lang="zh-CN" altLang="en-US" sz="1335" b="0" i="0" u="none" strike="noStrike" kern="1200" cap="none" spc="0" normalizeH="0" baseline="0" noProof="0" dirty="0">
                 <a:ln>
                   <a:noFill/>
                 </a:ln>
@@ -4603,14 +4608,14 @@
                 <a:effectLst/>
                 <a:uLnTx/>
                 <a:uFillTx/>
-                <a:latin typeface="Century Gothic"/>
-                <a:ea typeface="微软雅黑" charset="0"/>
+                <a:latin typeface="Century Gothic" panose="020B0502020202020204"/>
+                <a:ea typeface="微软雅黑" panose="020B0503020204020204" charset="-122"/>
                 <a:cs typeface="+mn-cs"/>
               </a:rPr>
               <a:t>、</a:t>
             </a:r>
             <a:r>
-              <a:rPr kumimoji="0" lang="en-US" altLang="zh-CN" sz="1333" b="0" i="0" u="none" strike="noStrike" kern="1200" cap="none" spc="0" normalizeH="0" baseline="0" noProof="0" dirty="0">
+              <a:rPr kumimoji="0" lang="en-US" altLang="zh-CN" sz="1335" b="0" i="0" u="none" strike="noStrike" kern="1200" cap="none" spc="0" normalizeH="0" baseline="0" noProof="0" dirty="0">
                 <a:ln>
                   <a:noFill/>
                 </a:ln>
@@ -4620,14 +4625,14 @@
                 <a:effectLst/>
                 <a:uLnTx/>
                 <a:uFillTx/>
-                <a:latin typeface="Century Gothic"/>
-                <a:ea typeface="微软雅黑" charset="0"/>
+                <a:latin typeface="Century Gothic" panose="020B0502020202020204"/>
+                <a:ea typeface="微软雅黑" panose="020B0503020204020204" charset="-122"/>
                 <a:cs typeface="+mn-cs"/>
               </a:rPr>
               <a:t>《</a:t>
             </a:r>
             <a:r>
-              <a:rPr kumimoji="0" lang="zh-CN" altLang="en-US" sz="1333" b="0" i="0" u="none" strike="noStrike" kern="1200" cap="none" spc="0" normalizeH="0" baseline="0" noProof="0" dirty="0">
+              <a:rPr kumimoji="0" lang="zh-CN" altLang="en-US" sz="1335" b="0" i="0" u="none" strike="noStrike" kern="1200" cap="none" spc="0" normalizeH="0" baseline="0" noProof="0" dirty="0">
                 <a:ln>
                   <a:noFill/>
                 </a:ln>
@@ -4637,14 +4642,14 @@
                 <a:effectLst/>
                 <a:uLnTx/>
                 <a:uFillTx/>
-                <a:latin typeface="Century Gothic"/>
-                <a:ea typeface="微软雅黑" charset="0"/>
+                <a:latin typeface="Century Gothic" panose="020B0502020202020204"/>
+                <a:ea typeface="微软雅黑" panose="020B0503020204020204" charset="-122"/>
                 <a:cs typeface="+mn-cs"/>
               </a:rPr>
               <a:t>信息网络传播权保护条例</a:t>
             </a:r>
             <a:r>
-              <a:rPr kumimoji="0" lang="en-US" altLang="zh-CN" sz="1333" b="0" i="0" u="none" strike="noStrike" kern="1200" cap="none" spc="0" normalizeH="0" baseline="0" noProof="0" dirty="0">
+              <a:rPr kumimoji="0" lang="en-US" altLang="zh-CN" sz="1335" b="0" i="0" u="none" strike="noStrike" kern="1200" cap="none" spc="0" normalizeH="0" baseline="0" noProof="0" dirty="0">
                 <a:ln>
                   <a:noFill/>
                 </a:ln>
@@ -4654,14 +4659,14 @@
                 <a:effectLst/>
                 <a:uLnTx/>
                 <a:uFillTx/>
-                <a:latin typeface="Century Gothic"/>
-                <a:ea typeface="微软雅黑" charset="0"/>
+                <a:latin typeface="Century Gothic" panose="020B0502020202020204"/>
+                <a:ea typeface="微软雅黑" panose="020B0503020204020204" charset="-122"/>
                 <a:cs typeface="+mn-cs"/>
               </a:rPr>
               <a:t>》</a:t>
             </a:r>
             <a:r>
-              <a:rPr kumimoji="0" lang="zh-CN" altLang="en-US" sz="1333" b="0" i="0" u="none" strike="noStrike" kern="1200" cap="none" spc="0" normalizeH="0" baseline="0" noProof="0" dirty="0">
+              <a:rPr kumimoji="0" lang="zh-CN" altLang="en-US" sz="1335" b="0" i="0" u="none" strike="noStrike" kern="1200" cap="none" spc="0" normalizeH="0" baseline="0" noProof="0" dirty="0">
                 <a:ln>
                   <a:noFill/>
                 </a:ln>
@@ -4671,14 +4676,14 @@
                 <a:effectLst/>
                 <a:uLnTx/>
                 <a:uFillTx/>
-                <a:latin typeface="Century Gothic"/>
-                <a:ea typeface="微软雅黑" charset="0"/>
+                <a:latin typeface="Century Gothic" panose="020B0502020202020204"/>
+                <a:ea typeface="微软雅黑" panose="020B0503020204020204" charset="-122"/>
                 <a:cs typeface="+mn-cs"/>
               </a:rPr>
               <a:t>及其他适用的法律法规的保护，未经权利人书面明确授权，信息内容的任何部分</a:t>
             </a:r>
             <a:r>
-              <a:rPr kumimoji="0" lang="en-US" altLang="zh-CN" sz="1333" b="0" i="0" u="none" strike="noStrike" kern="1200" cap="none" spc="0" normalizeH="0" baseline="0" noProof="0" dirty="0">
+              <a:rPr kumimoji="0" lang="en-US" altLang="zh-CN" sz="1335" b="0" i="0" u="none" strike="noStrike" kern="1200" cap="none" spc="0" normalizeH="0" baseline="0" noProof="0" dirty="0">
                 <a:ln>
                   <a:noFill/>
                 </a:ln>
@@ -4688,14 +4693,14 @@
                 <a:effectLst/>
                 <a:uLnTx/>
                 <a:uFillTx/>
-                <a:latin typeface="Century Gothic"/>
-                <a:ea typeface="微软雅黑" charset="0"/>
+                <a:latin typeface="Century Gothic" panose="020B0502020202020204"/>
+                <a:ea typeface="微软雅黑" panose="020B0503020204020204" charset="-122"/>
                 <a:cs typeface="+mn-cs"/>
               </a:rPr>
               <a:t>(</a:t>
             </a:r>
             <a:r>
-              <a:rPr kumimoji="0" lang="zh-CN" altLang="en-US" sz="1333" b="0" i="0" u="none" strike="noStrike" kern="1200" cap="none" spc="0" normalizeH="0" baseline="0" noProof="0" dirty="0">
+              <a:rPr kumimoji="0" lang="zh-CN" altLang="en-US" sz="1335" b="0" i="0" u="none" strike="noStrike" kern="1200" cap="none" spc="0" normalizeH="0" baseline="0" noProof="0" dirty="0">
                 <a:ln>
                   <a:noFill/>
                 </a:ln>
@@ -4705,14 +4710,14 @@
                 <a:effectLst/>
                 <a:uLnTx/>
                 <a:uFillTx/>
-                <a:latin typeface="Century Gothic"/>
-                <a:ea typeface="微软雅黑" charset="0"/>
+                <a:latin typeface="Century Gothic" panose="020B0502020202020204"/>
+                <a:ea typeface="微软雅黑" panose="020B0503020204020204" charset="-122"/>
                 <a:cs typeface="+mn-cs"/>
               </a:rPr>
               <a:t>包括图片或图表</a:t>
             </a:r>
             <a:r>
-              <a:rPr kumimoji="0" lang="en-US" altLang="zh-CN" sz="1333" b="0" i="0" u="none" strike="noStrike" kern="1200" cap="none" spc="0" normalizeH="0" baseline="0" noProof="0" dirty="0">
+              <a:rPr kumimoji="0" lang="en-US" altLang="zh-CN" sz="1335" b="0" i="0" u="none" strike="noStrike" kern="1200" cap="none" spc="0" normalizeH="0" baseline="0" noProof="0" dirty="0">
                 <a:ln>
                   <a:noFill/>
                 </a:ln>
@@ -4722,14 +4727,14 @@
                 <a:effectLst/>
                 <a:uLnTx/>
                 <a:uFillTx/>
-                <a:latin typeface="Century Gothic"/>
-                <a:ea typeface="微软雅黑" charset="0"/>
+                <a:latin typeface="Century Gothic" panose="020B0502020202020204"/>
+                <a:ea typeface="微软雅黑" panose="020B0503020204020204" charset="-122"/>
                 <a:cs typeface="+mn-cs"/>
               </a:rPr>
               <a:t>)</a:t>
             </a:r>
             <a:r>
-              <a:rPr kumimoji="0" lang="zh-CN" altLang="en-US" sz="1333" b="0" i="0" u="none" strike="noStrike" kern="1200" cap="none" spc="0" normalizeH="0" baseline="0" noProof="0" dirty="0">
+              <a:rPr kumimoji="0" lang="zh-CN" altLang="en-US" sz="1335" b="0" i="0" u="none" strike="noStrike" kern="1200" cap="none" spc="0" normalizeH="0" baseline="0" noProof="0" dirty="0">
                 <a:ln>
                   <a:noFill/>
                 </a:ln>
@@ -4739,12 +4744,26 @@
                 <a:effectLst/>
                 <a:uLnTx/>
                 <a:uFillTx/>
-                <a:latin typeface="Century Gothic"/>
-                <a:ea typeface="微软雅黑" charset="0"/>
+                <a:latin typeface="Century Gothic" panose="020B0502020202020204"/>
+                <a:ea typeface="微软雅黑" panose="020B0503020204020204" charset="-122"/>
                 <a:cs typeface="+mn-cs"/>
               </a:rPr>
               <a:t>不得被全部或部分的复制、传播、销售，否则将承担法律责任。</a:t>
             </a:r>
+            <a:endParaRPr kumimoji="0" lang="zh-CN" altLang="en-US" sz="1335" b="0" i="0" u="none" strike="noStrike" kern="1200" cap="none" spc="0" normalizeH="0" baseline="0" noProof="0" dirty="0">
+              <a:ln>
+                <a:noFill/>
+              </a:ln>
+              <a:solidFill>
+                <a:prstClr val="white"/>
+              </a:solidFill>
+              <a:effectLst/>
+              <a:uLnTx/>
+              <a:uFillTx/>
+              <a:latin typeface="Century Gothic" panose="020B0502020202020204"/>
+              <a:ea typeface="微软雅黑" panose="020B0503020204020204" charset="-122"/>
+              <a:cs typeface="+mn-cs"/>
+            </a:endParaRPr>
           </a:p>
         </p:txBody>
       </p:sp>
@@ -4769,7 +4788,7 @@
           </a:bodyPr>
           <a:lstStyle/>
           <a:p>
-            <a:pPr marL="0" marR="0" lvl="0" indent="0" defTabSz="609585" eaLnBrk="1" fontAlgn="auto" latinLnBrk="0" hangingPunct="1">
+            <a:pPr marL="0" marR="0" lvl="0" indent="0" defTabSz="608965" eaLnBrk="1" fontAlgn="auto" latinLnBrk="0" hangingPunct="1">
               <a:lnSpc>
                 <a:spcPct val="100000"/>
               </a:lnSpc>
@@ -4783,7 +4802,6 @@
               <a:buSzTx/>
               <a:buFontTx/>
               <a:buNone/>
-              <a:tabLst/>
               <a:defRPr/>
             </a:pPr>
             <a:r>
@@ -4797,9 +4815,9 @@
                 <a:effectLst/>
                 <a:uLnTx/>
                 <a:uFillTx/>
-                <a:latin typeface="Segoe UI Light"/>
-                <a:ea typeface="微软雅黑" charset="0"/>
-                <a:cs typeface="Segoe UI Light"/>
+                <a:latin typeface="Segoe UI Light" panose="020B0502040204020203"/>
+                <a:ea typeface="微软雅黑" panose="020B0503020204020204" charset="-122"/>
+                <a:cs typeface="Segoe UI Light" panose="020B0502040204020203"/>
               </a:rPr>
               <a:t>OfficePLUS</a:t>
             </a:r>
@@ -4813,19 +4831,14 @@
               <a:effectLst/>
               <a:uLnTx/>
               <a:uFillTx/>
-              <a:latin typeface="Segoe UI Light"/>
-              <a:ea typeface="微软雅黑" charset="0"/>
-              <a:cs typeface="Segoe UI Light"/>
+              <a:latin typeface="Segoe UI Light" panose="020B0502040204020203"/>
+              <a:ea typeface="微软雅黑" panose="020B0503020204020204" charset="-122"/>
+              <a:cs typeface="Segoe UI Light" panose="020B0502040204020203"/>
             </a:endParaRPr>
           </a:p>
         </p:txBody>
       </p:sp>
     </p:spTree>
-    <p:extLst>
-      <p:ext uri="{BB962C8B-B14F-4D97-AF65-F5344CB8AC3E}">
-        <p14:creationId xmlns:p14="http://schemas.microsoft.com/office/powerpoint/2010/main" val="3218531001"/>
-      </p:ext>
-    </p:extLst>
   </p:cSld>
   <p:clrMapOvr>
     <a:masterClrMapping/>
@@ -4918,11 +4931,10 @@
               <a:buSzTx/>
               <a:buFontTx/>
               <a:buNone/>
-              <a:tabLst/>
               <a:defRPr/>
             </a:pPr>
             <a:r>
-              <a:rPr kumimoji="1" lang="zh-CN" altLang="en-US" sz="1333" b="0" i="0" u="none" strike="noStrike" kern="0" cap="none" spc="0" normalizeH="0" baseline="0" noProof="0" dirty="0">
+              <a:rPr kumimoji="1" lang="zh-CN" altLang="en-US" sz="1335" b="0" i="0" u="none" strike="noStrike" kern="0" cap="none" spc="0" normalizeH="0" baseline="0" noProof="0" dirty="0">
                 <a:ln>
                   <a:noFill/>
                 </a:ln>
@@ -4932,13 +4944,13 @@
                 <a:effectLst/>
                 <a:uLnTx/>
                 <a:uFillTx/>
-                <a:latin typeface="Century Gothic"/>
-                <a:ea typeface="微软雅黑" panose="020B0503020204020204" pitchFamily="34" charset="-122"/>
+                <a:latin typeface="Century Gothic" panose="020B0502020202020204"/>
+                <a:ea typeface="微软雅黑" panose="020B0503020204020204" charset="-122"/>
               </a:rPr>
               <a:t>点击</a:t>
             </a:r>
             <a:r>
-              <a:rPr kumimoji="1" lang="en-US" altLang="zh-CN" sz="1333" b="0" i="0" u="none" strike="noStrike" kern="0" cap="none" spc="0" normalizeH="0" baseline="0" noProof="0" dirty="0">
+              <a:rPr kumimoji="1" lang="en-US" altLang="zh-CN" sz="1335" b="0" i="0" u="none" strike="noStrike" kern="0" cap="none" spc="0" normalizeH="0" baseline="0" noProof="0" dirty="0">
                 <a:ln>
                   <a:noFill/>
                 </a:ln>
@@ -4948,13 +4960,13 @@
                 <a:effectLst/>
                 <a:uLnTx/>
                 <a:uFillTx/>
-                <a:latin typeface="Century Gothic"/>
-                <a:ea typeface="微软雅黑" panose="020B0503020204020204" pitchFamily="34" charset="-122"/>
+                <a:latin typeface="Century Gothic" panose="020B0502020202020204"/>
+                <a:ea typeface="微软雅黑" panose="020B0503020204020204" charset="-122"/>
               </a:rPr>
               <a:t>Logo</a:t>
             </a:r>
             <a:r>
-              <a:rPr kumimoji="1" lang="zh-CN" altLang="en-US" sz="1333" b="0" i="0" u="none" strike="noStrike" kern="0" cap="none" spc="0" normalizeH="0" baseline="0" noProof="0" dirty="0">
+              <a:rPr kumimoji="1" lang="zh-CN" altLang="en-US" sz="1335" b="0" i="0" u="none" strike="noStrike" kern="0" cap="none" spc="0" normalizeH="0" baseline="0" noProof="0" dirty="0">
                 <a:ln>
                   <a:noFill/>
                 </a:ln>
@@ -4964,20 +4976,28 @@
                 <a:effectLst/>
                 <a:uLnTx/>
                 <a:uFillTx/>
-                <a:latin typeface="Century Gothic"/>
-                <a:ea typeface="微软雅黑" panose="020B0503020204020204" pitchFamily="34" charset="-122"/>
+                <a:latin typeface="Century Gothic" panose="020B0502020202020204"/>
+                <a:ea typeface="微软雅黑" panose="020B0503020204020204" charset="-122"/>
               </a:rPr>
               <a:t>获取更多优质模板（放映模式）</a:t>
             </a:r>
+            <a:endParaRPr kumimoji="1" lang="zh-CN" altLang="en-US" sz="1335" b="0" i="0" u="none" strike="noStrike" kern="0" cap="none" spc="0" normalizeH="0" baseline="0" noProof="0" dirty="0">
+              <a:ln>
+                <a:noFill/>
+              </a:ln>
+              <a:solidFill>
+                <a:srgbClr val="000000"/>
+              </a:solidFill>
+              <a:effectLst/>
+              <a:uLnTx/>
+              <a:uFillTx/>
+              <a:latin typeface="Century Gothic" panose="020B0502020202020204"/>
+              <a:ea typeface="微软雅黑" panose="020B0503020204020204" charset="-122"/>
+            </a:endParaRPr>
           </a:p>
         </p:txBody>
       </p:sp>
     </p:spTree>
-    <p:extLst>
-      <p:ext uri="{BB962C8B-B14F-4D97-AF65-F5344CB8AC3E}">
-        <p14:creationId xmlns:p14="http://schemas.microsoft.com/office/powerpoint/2010/main" val="3131916042"/>
-      </p:ext>
-    </p:extLst>
   </p:cSld>
   <p:clrMapOvr>
     <a:masterClrMapping/>
@@ -4985,7 +5005,7 @@
   <p:timing>
     <p:tnLst>
       <p:par>
-        <p:cTn xmlns:p14="http://schemas.microsoft.com/office/powerpoint/2010/main" id="1" dur="indefinite" restart="never" nodeType="tmRoot">
+        <p:cTn id="1" dur="indefinite" restart="never" nodeType="tmRoot">
           <p:childTnLst>
             <p:seq concurrent="1" nextAc="seek">
               <p:cTn id="2" dur="indefinite" nodeType="mainSeq">
@@ -5097,15 +5117,10 @@
         </a:xfrm>
       </p:grpSpPr>
     </p:spTree>
-    <p:extLst>
-      <p:ext uri="{BB962C8B-B14F-4D97-AF65-F5344CB8AC3E}">
-        <p14:creationId xmlns:p14="http://schemas.microsoft.com/office/powerpoint/2010/main" val="2822094131"/>
-      </p:ext>
-    </p:extLst>
   </p:cSld>
   <p:clrMap bg1="lt1" tx1="dk1" bg2="lt2" tx2="dk2" accent1="accent1" accent2="accent2" accent3="accent3" accent4="accent4" accent5="accent5" accent6="accent6" hlink="hlink" folHlink="folHlink"/>
   <p:sldLayoutIdLst>
-    <p:sldLayoutId id="2147483672" r:id="rId1"/>
+    <p:sldLayoutId id="2147483649" r:id="rId1"/>
   </p:sldLayoutIdLst>
   <p:txStyles>
     <p:titleStyle>
@@ -5413,15 +5428,10 @@
         </a:xfrm>
       </p:grpSpPr>
     </p:spTree>
-    <p:extLst>
-      <p:ext uri="{BB962C8B-B14F-4D97-AF65-F5344CB8AC3E}">
-        <p14:creationId xmlns:p14="http://schemas.microsoft.com/office/powerpoint/2010/main" val="1873275004"/>
-      </p:ext>
-    </p:extLst>
   </p:cSld>
   <p:clrMap bg1="lt1" tx1="dk1" bg2="lt2" tx2="dk2" accent1="accent1" accent2="accent2" accent3="accent3" accent4="accent4" accent5="accent5" accent6="accent6" hlink="hlink" folHlink="folHlink"/>
   <p:sldLayoutIdLst>
-    <p:sldLayoutId id="2147483678" r:id="rId1"/>
+    <p:sldLayoutId id="2147483651" r:id="rId1"/>
   </p:sldLayoutIdLst>
   <p:txStyles>
     <p:titleStyle>
@@ -5729,15 +5739,10 @@
         </a:xfrm>
       </p:grpSpPr>
     </p:spTree>
-    <p:extLst>
-      <p:ext uri="{BB962C8B-B14F-4D97-AF65-F5344CB8AC3E}">
-        <p14:creationId xmlns:p14="http://schemas.microsoft.com/office/powerpoint/2010/main" val="3284174949"/>
-      </p:ext>
-    </p:extLst>
   </p:cSld>
   <p:clrMap bg1="lt1" tx1="dk1" bg2="lt2" tx2="dk2" accent1="accent1" accent2="accent2" accent3="accent3" accent4="accent4" accent5="accent5" accent6="accent6" hlink="hlink" folHlink="folHlink"/>
   <p:sldLayoutIdLst>
-    <p:sldLayoutId id="2147483680" r:id="rId1"/>
+    <p:sldLayoutId id="2147483653" r:id="rId1"/>
   </p:sldLayoutIdLst>
   <p:txStyles>
     <p:titleStyle>
@@ -6045,16 +6050,11 @@
         </a:xfrm>
       </p:grpSpPr>
     </p:spTree>
-    <p:extLst>
-      <p:ext uri="{BB962C8B-B14F-4D97-AF65-F5344CB8AC3E}">
-        <p14:creationId xmlns:p14="http://schemas.microsoft.com/office/powerpoint/2010/main" val="3911684789"/>
-      </p:ext>
-    </p:extLst>
   </p:cSld>
   <p:clrMap bg1="lt1" tx1="dk1" bg2="lt2" tx2="dk2" accent1="accent1" accent2="accent2" accent3="accent3" accent4="accent4" accent5="accent5" accent6="accent6" hlink="hlink" folHlink="folHlink"/>
   <p:sldLayoutIdLst>
-    <p:sldLayoutId id="2147483675" r:id="rId1"/>
-    <p:sldLayoutId id="2147483676" r:id="rId2"/>
+    <p:sldLayoutId id="2147483655" r:id="rId1"/>
+    <p:sldLayoutId id="2147483656" r:id="rId2"/>
   </p:sldLayoutIdLst>
   <p:txStyles>
     <p:titleStyle>
@@ -6506,7 +6506,7 @@
           <p:nvPr/>
         </p:nvPicPr>
         <p:blipFill>
-          <a:blip r:embed="rId2"/>
+          <a:blip r:embed="rId1"/>
           <a:stretch>
             <a:fillRect/>
           </a:stretch>
@@ -6587,7 +6587,7 @@
             </a:r>
             <a:r>
               <a:rPr kumimoji="1" lang="en-US" altLang="zh-CN" dirty="0">
-                <a:hlinkClick r:id="rId3"/>
+                <a:hlinkClick r:id="rId2"/>
               </a:rPr>
               <a:t>http://mr0yang.imwork.net/own/</a:t>
             </a:r>
@@ -6596,11 +6596,6 @@
         </p:txBody>
       </p:sp>
     </p:spTree>
-    <p:extLst>
-      <p:ext uri="{BB962C8B-B14F-4D97-AF65-F5344CB8AC3E}">
-        <p14:creationId xmlns:p14="http://schemas.microsoft.com/office/powerpoint/2010/main" val="1076685259"/>
-      </p:ext>
-    </p:extLst>
   </p:cSld>
   <p:clrMapOvr>
     <a:masterClrMapping/>
@@ -6608,7 +6603,7 @@
   <p:timing>
     <p:tnLst>
       <p:par>
-        <p:cTn xmlns:p14="http://schemas.microsoft.com/office/powerpoint/2010/main" id="1" dur="indefinite" restart="never" nodeType="tmRoot"/>
+        <p:cTn id="1" dur="indefinite" restart="never" nodeType="tmRoot"/>
       </p:par>
     </p:tnLst>
   </p:timing>
@@ -6659,13 +6654,7 @@
         <p:nvGraphicFramePr>
           <p:cNvPr id="15" name="图表 14"/>
           <p:cNvGraphicFramePr/>
-          <p:nvPr>
-            <p:extLst>
-              <p:ext uri="{D42A27DB-BD31-4B8C-83A1-F6EECF244321}">
-                <p14:modId xmlns:p14="http://schemas.microsoft.com/office/powerpoint/2010/main" val="3087418043"/>
-              </p:ext>
-            </p:extLst>
-          </p:nvPr>
+          <p:nvPr/>
         </p:nvGraphicFramePr>
         <p:xfrm>
           <a:off x="0" y="1731407"/>
@@ -6673,7 +6662,7 @@
         </p:xfrm>
         <a:graphic>
           <a:graphicData uri="http://schemas.openxmlformats.org/drawingml/2006/chart">
-            <c:chart xmlns:c="http://schemas.openxmlformats.org/drawingml/2006/chart" xmlns:r="http://schemas.openxmlformats.org/officeDocument/2006/relationships" r:id="rId2"/>
+            <c:chart xmlns:c="http://schemas.openxmlformats.org/drawingml/2006/chart" xmlns:r="http://schemas.openxmlformats.org/officeDocument/2006/relationships" r:id="rId1"/>
           </a:graphicData>
         </a:graphic>
       </p:graphicFrame>
@@ -6681,13 +6670,7 @@
         <p:nvGraphicFramePr>
           <p:cNvPr id="18" name="图表 17"/>
           <p:cNvGraphicFramePr/>
-          <p:nvPr>
-            <p:extLst>
-              <p:ext uri="{D42A27DB-BD31-4B8C-83A1-F6EECF244321}">
-                <p14:modId xmlns:p14="http://schemas.microsoft.com/office/powerpoint/2010/main" val="3839275082"/>
-              </p:ext>
-            </p:extLst>
-          </p:nvPr>
+          <p:nvPr/>
         </p:nvGraphicFramePr>
         <p:xfrm>
           <a:off x="6126470" y="1731407"/>
@@ -6695,7 +6678,7 @@
         </p:xfrm>
         <a:graphic>
           <a:graphicData uri="http://schemas.openxmlformats.org/drawingml/2006/chart">
-            <c:chart xmlns:c="http://schemas.openxmlformats.org/drawingml/2006/chart" xmlns:r="http://schemas.openxmlformats.org/officeDocument/2006/relationships" r:id="rId3"/>
+            <c:chart xmlns:c="http://schemas.openxmlformats.org/drawingml/2006/chart" xmlns:r="http://schemas.openxmlformats.org/officeDocument/2006/relationships" r:id="rId2"/>
           </a:graphicData>
         </a:graphic>
       </p:graphicFrame>
@@ -6738,22 +6721,17 @@
         </p:txBody>
       </p:sp>
     </p:spTree>
-    <p:extLst>
-      <p:ext uri="{BB962C8B-B14F-4D97-AF65-F5344CB8AC3E}">
-        <p14:creationId xmlns:p14="http://schemas.microsoft.com/office/powerpoint/2010/main" val="1421449833"/>
-      </p:ext>
-    </p:extLst>
   </p:cSld>
   <p:clrMapOvr>
     <a:masterClrMapping/>
   </p:clrMapOvr>
-  <mc:AlternateContent xmlns:mc="http://schemas.openxmlformats.org/markup-compatibility/2006" xmlns:p14="http://schemas.microsoft.com/office/powerpoint/2010/main">
-    <mc:Choice Requires="p14">
+  <mc:AlternateContent xmlns:mc="http://schemas.openxmlformats.org/markup-compatibility/2006">
+    <mc:Choice xmlns:p14="http://schemas.microsoft.com/office/powerpoint/2010/main" Requires="p14">
       <p:transition spd="med" p14:dur="700">
         <p:fade/>
       </p:transition>
     </mc:Choice>
-    <mc:Fallback xmlns="">
+    <mc:Fallback>
       <p:transition spd="med">
         <p:fade/>
       </p:transition>
@@ -6762,7 +6740,7 @@
   <p:timing>
     <p:tnLst>
       <p:par>
-        <p:cTn xmlns:p14="http://schemas.microsoft.com/office/powerpoint/2010/main" id="1" dur="indefinite" restart="never" nodeType="tmRoot"/>
+        <p:cTn id="1" dur="indefinite" restart="never" nodeType="tmRoot"/>
       </p:par>
     </p:tnLst>
   </p:timing>
@@ -6803,43 +6781,12 @@
           <a:p>
             <a:r>
               <a:rPr kumimoji="1" lang="zh-CN" altLang="en-US" dirty="0"/>
-              <a:t>点击此处添加标题</a:t>
-            </a:r>
+              <a:t>工作结果</a:t>
+            </a:r>
+            <a:endParaRPr kumimoji="1" lang="zh-CN" altLang="en-US" dirty="0"/>
           </a:p>
         </p:txBody>
       </p:sp>
-      <p:pic>
-        <p:nvPicPr>
-          <p:cNvPr id="27" name="图片 26">
-            <a:hlinkClick r:id="rId2"/>
-          </p:cNvPr>
-          <p:cNvPicPr>
-            <a:picLocks noChangeAspect="1"/>
-          </p:cNvPicPr>
-          <p:nvPr/>
-        </p:nvPicPr>
-        <p:blipFill>
-          <a:blip r:embed="rId3">
-            <a:extLst>
-              <a:ext uri="{28A0092B-C50C-407E-A947-70E740481C1C}">
-                <a14:useLocalDpi xmlns:a14="http://schemas.microsoft.com/office/drawing/2010/main" val="0"/>
-              </a:ext>
-            </a:extLst>
-          </a:blip>
-          <a:stretch>
-            <a:fillRect/>
-          </a:stretch>
-        </p:blipFill>
-        <p:spPr>
-          <a:xfrm>
-            <a:off x="9772875" y="277222"/>
-            <a:ext cx="1828800" cy="243840"/>
-          </a:xfrm>
-          <a:prstGeom prst="rect">
-            <a:avLst/>
-          </a:prstGeom>
-        </p:spPr>
-      </p:pic>
       <p:sp>
         <p:nvSpPr>
           <p:cNvPr id="25" name="矩形 7"/>
@@ -6850,8 +6797,8 @@
         </p:nvSpPr>
         <p:spPr bwMode="auto">
           <a:xfrm>
-            <a:off x="5553254" y="1486568"/>
-            <a:ext cx="1896673" cy="369332"/>
+            <a:off x="390069" y="1442753"/>
+            <a:ext cx="2468880" cy="368300"/>
           </a:xfrm>
           <a:prstGeom prst="rect">
             <a:avLst/>
@@ -6862,7 +6809,6 @@
           <a:ln>
             <a:noFill/>
           </a:ln>
-          <a:extLst/>
         </p:spPr>
         <p:txBody>
           <a:bodyPr wrap="none">
@@ -6879,19 +6825,19 @@
               </a:spcAft>
             </a:pPr>
             <a:r>
-              <a:rPr lang="en-US" altLang="zh-CN" b="1" dirty="0">
+              <a:rPr lang="zh-CN" altLang="en-US" b="1" dirty="0">
                 <a:solidFill>
                   <a:schemeClr val="bg1"/>
                 </a:solidFill>
-                <a:latin typeface="Century Gothic" pitchFamily="34" charset="0"/>
+                <a:latin typeface="Century Gothic" panose="020B0502020202020204" pitchFamily="34" charset="0"/>
               </a:rPr>
-              <a:t>ADD YOUR TEXT</a:t>
+              <a:t>独立完成的编辑器工具</a:t>
             </a:r>
             <a:endParaRPr lang="zh-CN" altLang="en-US" b="1" dirty="0">
               <a:solidFill>
                 <a:schemeClr val="bg1"/>
               </a:solidFill>
-              <a:latin typeface="Century Gothic" pitchFamily="34" charset="0"/>
+              <a:latin typeface="Century Gothic" panose="020B0502020202020204" pitchFamily="34" charset="0"/>
             </a:endParaRPr>
           </a:p>
         </p:txBody>
@@ -6906,8 +6852,8 @@
         </p:nvSpPr>
         <p:spPr bwMode="auto">
           <a:xfrm>
-            <a:off x="5549255" y="1899768"/>
-            <a:ext cx="2536144" cy="1292662"/>
+            <a:off x="386080" y="1856105"/>
+            <a:ext cx="5822950" cy="810260"/>
           </a:xfrm>
           <a:prstGeom prst="rect">
             <a:avLst/>
@@ -6916,25 +6862,6 @@
           <a:ln>
             <a:noFill/>
           </a:ln>
-          <a:extLst>
-            <a:ext uri="{909E8E84-426E-40dd-AFC4-6F175D3DCCD1}">
-              <a14:hiddenFill xmlns:a14="http://schemas.microsoft.com/office/drawing/2010/main">
-                <a:solidFill>
-                  <a:srgbClr val="FFFFFF"/>
-                </a:solidFill>
-              </a14:hiddenFill>
-            </a:ext>
-            <a:ext uri="{91240B29-F687-4f45-9708-019B960494DF}">
-              <a14:hiddenLine xmlns:a14="http://schemas.microsoft.com/office/drawing/2010/main" w="9525">
-                <a:solidFill>
-                  <a:srgbClr val="000000"/>
-                </a:solidFill>
-                <a:miter lim="800000"/>
-                <a:headEnd/>
-                <a:tailEnd/>
-              </a14:hiddenLine>
-            </a:ext>
-          </a:extLst>
         </p:spPr>
         <p:txBody>
           <a:bodyPr wrap="square">
@@ -6961,10 +6888,75 @@
                     <a:lumOff val="25000"/>
                   </a:schemeClr>
                 </a:solidFill>
-                <a:latin typeface="微软雅黑" panose="020B0503020204020204" pitchFamily="34" charset="-122"/>
-                <a:ea typeface="微软雅黑" panose="020B0503020204020204" pitchFamily="34" charset="-122"/>
+                <a:latin typeface="微软雅黑" panose="020B0503020204020204" charset="-122"/>
+                <a:ea typeface="微软雅黑" panose="020B0503020204020204" charset="-122"/>
               </a:rPr>
-              <a:t>标题数字等都可以通过点击和重新输入进行更改，顶部“开始”面板中可以对字体、字号、颜色、行距等进行修改。标题数字等都可以通过点击和重新输入进行更改。</a:t>
+              <a:t>资源清理工具</a:t>
+            </a:r>
+            <a:r>
+              <a:rPr lang="en-US" altLang="zh-CN" sz="1200" dirty="0">
+                <a:solidFill>
+                  <a:schemeClr val="tx1">
+                    <a:lumMod val="75000"/>
+                    <a:lumOff val="25000"/>
+                  </a:schemeClr>
+                </a:solidFill>
+                <a:latin typeface="微软雅黑" panose="020B0503020204020204" charset="-122"/>
+                <a:ea typeface="微软雅黑" panose="020B0503020204020204" charset="-122"/>
+              </a:rPr>
+              <a:t>,</a:t>
+            </a:r>
+            <a:r>
+              <a:rPr lang="zh-CN" altLang="en-US" sz="1200" dirty="0">
+                <a:solidFill>
+                  <a:schemeClr val="tx1">
+                    <a:lumMod val="75000"/>
+                    <a:lumOff val="25000"/>
+                  </a:schemeClr>
+                </a:solidFill>
+                <a:latin typeface="微软雅黑" panose="020B0503020204020204" charset="-122"/>
+                <a:ea typeface="微软雅黑" panose="020B0503020204020204" charset="-122"/>
+              </a:rPr>
+              <a:t>检测和移除不必要的资源</a:t>
+            </a:r>
+            <a:r>
+              <a:rPr lang="en-US" altLang="zh-CN" sz="1200" dirty="0">
+                <a:solidFill>
+                  <a:schemeClr val="tx1">
+                    <a:lumMod val="75000"/>
+                    <a:lumOff val="25000"/>
+                  </a:schemeClr>
+                </a:solidFill>
+                <a:latin typeface="微软雅黑" panose="020B0503020204020204" charset="-122"/>
+                <a:ea typeface="微软雅黑" panose="020B0503020204020204" charset="-122"/>
+              </a:rPr>
+              <a:t>,</a:t>
+            </a:r>
+            <a:r>
+              <a:rPr lang="zh-CN" altLang="en-US" sz="1200" dirty="0">
+                <a:solidFill>
+                  <a:schemeClr val="tx1">
+                    <a:lumMod val="75000"/>
+                    <a:lumOff val="25000"/>
+                  </a:schemeClr>
+                </a:solidFill>
+                <a:latin typeface="微软雅黑" panose="020B0503020204020204" charset="-122"/>
+                <a:ea typeface="微软雅黑" panose="020B0503020204020204" charset="-122"/>
+              </a:rPr>
+              <a:t>以达到更好且更规范的使用资源</a:t>
+            </a:r>
+            <a:r>
+              <a:rPr lang="en-US" altLang="zh-CN" sz="1200" dirty="0">
+                <a:solidFill>
+                  <a:schemeClr val="tx1">
+                    <a:lumMod val="75000"/>
+                    <a:lumOff val="25000"/>
+                  </a:schemeClr>
+                </a:solidFill>
+                <a:latin typeface="微软雅黑" panose="020B0503020204020204" charset="-122"/>
+                <a:ea typeface="微软雅黑" panose="020B0503020204020204" charset="-122"/>
+              </a:rPr>
+              <a:t>.</a:t>
             </a:r>
             <a:endParaRPr lang="en-US" altLang="zh-CN" sz="1200" dirty="0">
               <a:solidFill>
@@ -6973,113 +6965,10 @@
                   <a:lumOff val="25000"/>
                 </a:schemeClr>
               </a:solidFill>
-              <a:latin typeface="微软雅黑" panose="020B0503020204020204" pitchFamily="34" charset="-122"/>
-              <a:ea typeface="微软雅黑" panose="020B0503020204020204" pitchFamily="34" charset="-122"/>
+              <a:latin typeface="微软雅黑" panose="020B0503020204020204" charset="-122"/>
+              <a:ea typeface="微软雅黑" panose="020B0503020204020204" charset="-122"/>
             </a:endParaRPr>
           </a:p>
-        </p:txBody>
-      </p:sp>
-      <p:sp>
-        <p:nvSpPr>
-          <p:cNvPr id="29" name="矩形 7"/>
-          <p:cNvSpPr>
-            <a:spLocks noChangeArrowheads="1"/>
-          </p:cNvSpPr>
-          <p:nvPr/>
-        </p:nvSpPr>
-        <p:spPr bwMode="auto">
-          <a:xfrm>
-            <a:off x="8733550" y="1486568"/>
-            <a:ext cx="1896673" cy="369332"/>
-          </a:xfrm>
-          <a:prstGeom prst="rect">
-            <a:avLst/>
-          </a:prstGeom>
-          <a:solidFill>
-            <a:schemeClr val="accent4"/>
-          </a:solidFill>
-          <a:ln>
-            <a:noFill/>
-          </a:ln>
-          <a:extLst/>
-        </p:spPr>
-        <p:txBody>
-          <a:bodyPr wrap="none">
-            <a:spAutoFit/>
-          </a:bodyPr>
-          <a:lstStyle/>
-          <a:p>
-            <a:pPr defTabSz="914400" fontAlgn="base">
-              <a:spcBef>
-                <a:spcPct val="0"/>
-              </a:spcBef>
-              <a:spcAft>
-                <a:spcPct val="0"/>
-              </a:spcAft>
-            </a:pPr>
-            <a:r>
-              <a:rPr lang="en-US" altLang="zh-CN" b="1" dirty="0">
-                <a:solidFill>
-                  <a:schemeClr val="bg1"/>
-                </a:solidFill>
-                <a:latin typeface="Century Gothic" pitchFamily="34" charset="0"/>
-              </a:rPr>
-              <a:t>ADD YOUR TEXT</a:t>
-            </a:r>
-            <a:endParaRPr lang="zh-CN" altLang="en-US" b="1" dirty="0">
-              <a:solidFill>
-                <a:schemeClr val="bg1"/>
-              </a:solidFill>
-              <a:latin typeface="Century Gothic" pitchFamily="34" charset="0"/>
-            </a:endParaRPr>
-          </a:p>
-        </p:txBody>
-      </p:sp>
-      <p:sp>
-        <p:nvSpPr>
-          <p:cNvPr id="30" name="矩形 6"/>
-          <p:cNvSpPr>
-            <a:spLocks noChangeArrowheads="1"/>
-          </p:cNvSpPr>
-          <p:nvPr/>
-        </p:nvSpPr>
-        <p:spPr bwMode="auto">
-          <a:xfrm>
-            <a:off x="8729551" y="1899768"/>
-            <a:ext cx="2536144" cy="1292662"/>
-          </a:xfrm>
-          <a:prstGeom prst="rect">
-            <a:avLst/>
-          </a:prstGeom>
-          <a:noFill/>
-          <a:ln>
-            <a:noFill/>
-          </a:ln>
-          <a:extLst>
-            <a:ext uri="{909E8E84-426E-40dd-AFC4-6F175D3DCCD1}">
-              <a14:hiddenFill xmlns:a14="http://schemas.microsoft.com/office/drawing/2010/main">
-                <a:solidFill>
-                  <a:srgbClr val="FFFFFF"/>
-                </a:solidFill>
-              </a14:hiddenFill>
-            </a:ext>
-            <a:ext uri="{91240B29-F687-4f45-9708-019B960494DF}">
-              <a14:hiddenLine xmlns:a14="http://schemas.microsoft.com/office/drawing/2010/main" w="9525">
-                <a:solidFill>
-                  <a:srgbClr val="000000"/>
-                </a:solidFill>
-                <a:miter lim="800000"/>
-                <a:headEnd/>
-                <a:tailEnd/>
-              </a14:hiddenLine>
-            </a:ext>
-          </a:extLst>
-        </p:spPr>
-        <p:txBody>
-          <a:bodyPr wrap="square">
-            <a:spAutoFit/>
-          </a:bodyPr>
-          <a:lstStyle/>
           <a:p>
             <a:pPr defTabSz="914400" fontAlgn="base">
               <a:lnSpc>
@@ -7100,125 +6989,152 @@
                     <a:lumOff val="25000"/>
                   </a:schemeClr>
                 </a:solidFill>
-                <a:latin typeface="微软雅黑" panose="020B0503020204020204" pitchFamily="34" charset="-122"/>
-                <a:ea typeface="微软雅黑" panose="020B0503020204020204" pitchFamily="34" charset="-122"/>
+                <a:latin typeface="微软雅黑" panose="020B0503020204020204" charset="-122"/>
+                <a:ea typeface="微软雅黑" panose="020B0503020204020204" charset="-122"/>
               </a:rPr>
-              <a:t>标题数字等都可以通过点击和重新输入进行更改，顶部“开始”面板中可以对字体、字号、颜色、行距等进行修改。标题数字等都可以通过点击和重新输入进行更改。</a:t>
-            </a:r>
-            <a:endParaRPr lang="en-US" altLang="zh-CN" sz="1200" dirty="0">
+              <a:t>此工具分为两大功能</a:t>
+            </a:r>
+            <a:r>
+              <a:rPr lang="en-US" altLang="zh-CN" sz="1200" dirty="0">
+                <a:solidFill>
+                  <a:schemeClr val="tx1">
+                    <a:lumMod val="75000"/>
+                    <a:lumOff val="25000"/>
+                  </a:schemeClr>
+                </a:solidFill>
+                <a:latin typeface="微软雅黑" panose="020B0503020204020204" charset="-122"/>
+                <a:ea typeface="微软雅黑" panose="020B0503020204020204" charset="-122"/>
+              </a:rPr>
+              <a:t>,</a:t>
+            </a:r>
+            <a:r>
+              <a:rPr lang="zh-CN" altLang="en-US" sz="1200" dirty="0">
+                <a:solidFill>
+                  <a:schemeClr val="tx1">
+                    <a:lumMod val="75000"/>
+                    <a:lumOff val="25000"/>
+                  </a:schemeClr>
+                </a:solidFill>
+                <a:latin typeface="微软雅黑" panose="020B0503020204020204" charset="-122"/>
+                <a:ea typeface="微软雅黑" panose="020B0503020204020204" charset="-122"/>
+              </a:rPr>
+              <a:t>十几个子功能</a:t>
+            </a:r>
+            <a:r>
+              <a:rPr lang="en-US" altLang="zh-CN" sz="1200" dirty="0">
+                <a:solidFill>
+                  <a:schemeClr val="tx1">
+                    <a:lumMod val="75000"/>
+                    <a:lumOff val="25000"/>
+                  </a:schemeClr>
+                </a:solidFill>
+                <a:latin typeface="微软雅黑" panose="020B0503020204020204" charset="-122"/>
+                <a:ea typeface="微软雅黑" panose="020B0503020204020204" charset="-122"/>
+              </a:rPr>
+              <a:t>,</a:t>
+            </a:r>
+            <a:r>
+              <a:rPr lang="zh-CN" altLang="en-US" sz="1200" dirty="0">
+                <a:solidFill>
+                  <a:schemeClr val="tx1">
+                    <a:lumMod val="75000"/>
+                    <a:lumOff val="25000"/>
+                  </a:schemeClr>
+                </a:solidFill>
+                <a:latin typeface="微软雅黑" panose="020B0503020204020204" charset="-122"/>
+                <a:ea typeface="微软雅黑" panose="020B0503020204020204" charset="-122"/>
+              </a:rPr>
+              <a:t>期间需要和美术</a:t>
+            </a:r>
+            <a:r>
+              <a:rPr lang="en-US" altLang="zh-CN" sz="1200" dirty="0">
+                <a:solidFill>
+                  <a:schemeClr val="tx1">
+                    <a:lumMod val="75000"/>
+                    <a:lumOff val="25000"/>
+                  </a:schemeClr>
+                </a:solidFill>
+                <a:latin typeface="微软雅黑" panose="020B0503020204020204" charset="-122"/>
+                <a:ea typeface="微软雅黑" panose="020B0503020204020204" charset="-122"/>
+              </a:rPr>
+              <a:t>,</a:t>
+            </a:r>
+            <a:r>
+              <a:rPr lang="zh-CN" altLang="en-US" sz="1200" dirty="0">
+                <a:solidFill>
+                  <a:schemeClr val="tx1">
+                    <a:lumMod val="75000"/>
+                    <a:lumOff val="25000"/>
+                  </a:schemeClr>
+                </a:solidFill>
+                <a:latin typeface="微软雅黑" panose="020B0503020204020204" charset="-122"/>
+                <a:ea typeface="微软雅黑" panose="020B0503020204020204" charset="-122"/>
+              </a:rPr>
+              <a:t>策划</a:t>
+            </a:r>
+            <a:r>
+              <a:rPr lang="en-US" altLang="zh-CN" sz="1200" dirty="0">
+                <a:solidFill>
+                  <a:schemeClr val="tx1">
+                    <a:lumMod val="75000"/>
+                    <a:lumOff val="25000"/>
+                  </a:schemeClr>
+                </a:solidFill>
+                <a:latin typeface="微软雅黑" panose="020B0503020204020204" charset="-122"/>
+                <a:ea typeface="微软雅黑" panose="020B0503020204020204" charset="-122"/>
+              </a:rPr>
+              <a:t>,</a:t>
+            </a:r>
+            <a:r>
+              <a:rPr lang="zh-CN" altLang="en-US" sz="1200" dirty="0">
+                <a:solidFill>
+                  <a:schemeClr val="tx1">
+                    <a:lumMod val="75000"/>
+                    <a:lumOff val="25000"/>
+                  </a:schemeClr>
+                </a:solidFill>
+                <a:latin typeface="微软雅黑" panose="020B0503020204020204" charset="-122"/>
+                <a:ea typeface="微软雅黑" panose="020B0503020204020204" charset="-122"/>
+              </a:rPr>
+              <a:t>以及</a:t>
+            </a:r>
+            <a:r>
+              <a:rPr lang="en-US" altLang="zh-CN" sz="1200" dirty="0">
+                <a:solidFill>
+                  <a:schemeClr val="tx1">
+                    <a:lumMod val="75000"/>
+                    <a:lumOff val="25000"/>
+                  </a:schemeClr>
+                </a:solidFill>
+                <a:latin typeface="微软雅黑" panose="020B0503020204020204" charset="-122"/>
+                <a:ea typeface="微软雅黑" panose="020B0503020204020204" charset="-122"/>
+              </a:rPr>
+              <a:t>pm</a:t>
+            </a:r>
+            <a:r>
+              <a:rPr lang="zh-CN" altLang="en-US" sz="1200" dirty="0">
+                <a:solidFill>
+                  <a:schemeClr val="tx1">
+                    <a:lumMod val="75000"/>
+                    <a:lumOff val="25000"/>
+                  </a:schemeClr>
+                </a:solidFill>
+                <a:latin typeface="微软雅黑" panose="020B0503020204020204" charset="-122"/>
+                <a:ea typeface="微软雅黑" panose="020B0503020204020204" charset="-122"/>
+              </a:rPr>
+              <a:t>之间来回反复沟通</a:t>
+            </a:r>
+            <a:endParaRPr lang="zh-CN" altLang="en-US" sz="1200" dirty="0">
               <a:solidFill>
                 <a:schemeClr val="tx1">
                   <a:lumMod val="75000"/>
                   <a:lumOff val="25000"/>
                 </a:schemeClr>
               </a:solidFill>
-              <a:latin typeface="微软雅黑" panose="020B0503020204020204" pitchFamily="34" charset="-122"/>
-              <a:ea typeface="微软雅黑" panose="020B0503020204020204" pitchFamily="34" charset="-122"/>
+              <a:latin typeface="微软雅黑" panose="020B0503020204020204" charset="-122"/>
+              <a:ea typeface="微软雅黑" panose="020B0503020204020204" charset="-122"/>
             </a:endParaRPr>
           </a:p>
-        </p:txBody>
-      </p:sp>
-      <p:sp>
-        <p:nvSpPr>
-          <p:cNvPr id="32" name="矩形 7"/>
-          <p:cNvSpPr>
-            <a:spLocks noChangeArrowheads="1"/>
-          </p:cNvSpPr>
-          <p:nvPr/>
-        </p:nvSpPr>
-        <p:spPr bwMode="auto">
-          <a:xfrm>
-            <a:off x="5553254" y="3718205"/>
-            <a:ext cx="1896673" cy="369332"/>
-          </a:xfrm>
-          <a:prstGeom prst="rect">
-            <a:avLst/>
-          </a:prstGeom>
-          <a:solidFill>
-            <a:schemeClr val="accent3"/>
-          </a:solidFill>
-          <a:ln>
-            <a:noFill/>
-          </a:ln>
-          <a:extLst/>
-        </p:spPr>
-        <p:txBody>
-          <a:bodyPr wrap="none">
-            <a:spAutoFit/>
-          </a:bodyPr>
-          <a:lstStyle/>
-          <a:p>
-            <a:pPr defTabSz="914400" fontAlgn="base">
-              <a:spcBef>
-                <a:spcPct val="0"/>
-              </a:spcBef>
-              <a:spcAft>
-                <a:spcPct val="0"/>
-              </a:spcAft>
-            </a:pPr>
-            <a:r>
-              <a:rPr lang="en-US" altLang="zh-CN" b="1" dirty="0">
-                <a:solidFill>
-                  <a:schemeClr val="bg1"/>
-                </a:solidFill>
-                <a:latin typeface="Century Gothic" pitchFamily="34" charset="0"/>
-              </a:rPr>
-              <a:t>ADD YOUR TEXT</a:t>
-            </a:r>
-            <a:endParaRPr lang="zh-CN" altLang="en-US" b="1" dirty="0">
-              <a:solidFill>
-                <a:schemeClr val="bg1"/>
-              </a:solidFill>
-              <a:latin typeface="Century Gothic" pitchFamily="34" charset="0"/>
-            </a:endParaRPr>
-          </a:p>
-        </p:txBody>
-      </p:sp>
-      <p:sp>
-        <p:nvSpPr>
-          <p:cNvPr id="33" name="矩形 6"/>
-          <p:cNvSpPr>
-            <a:spLocks noChangeArrowheads="1"/>
-          </p:cNvSpPr>
-          <p:nvPr/>
-        </p:nvSpPr>
-        <p:spPr bwMode="auto">
-          <a:xfrm>
-            <a:off x="5549255" y="4131405"/>
-            <a:ext cx="2536144" cy="1292662"/>
-          </a:xfrm>
-          <a:prstGeom prst="rect">
-            <a:avLst/>
-          </a:prstGeom>
-          <a:noFill/>
-          <a:ln>
-            <a:noFill/>
-          </a:ln>
-          <a:extLst>
-            <a:ext uri="{909E8E84-426E-40dd-AFC4-6F175D3DCCD1}">
-              <a14:hiddenFill xmlns:a14="http://schemas.microsoft.com/office/drawing/2010/main">
-                <a:solidFill>
-                  <a:srgbClr val="FFFFFF"/>
-                </a:solidFill>
-              </a14:hiddenFill>
-            </a:ext>
-            <a:ext uri="{91240B29-F687-4f45-9708-019B960494DF}">
-              <a14:hiddenLine xmlns:a14="http://schemas.microsoft.com/office/drawing/2010/main" w="9525">
-                <a:solidFill>
-                  <a:srgbClr val="000000"/>
-                </a:solidFill>
-                <a:miter lim="800000"/>
-                <a:headEnd/>
-                <a:tailEnd/>
-              </a14:hiddenLine>
-            </a:ext>
-          </a:extLst>
-        </p:spPr>
-        <p:txBody>
-          <a:bodyPr wrap="square">
-            <a:spAutoFit/>
-          </a:bodyPr>
-          <a:lstStyle/>
           <a:p>
             <a:pPr defTabSz="914400" fontAlgn="base">
               <a:lnSpc>
@@ -7231,19 +7147,6 @@
                 <a:spcPct val="0"/>
               </a:spcAft>
             </a:pPr>
-            <a:r>
-              <a:rPr lang="zh-CN" altLang="en-US" sz="1200" dirty="0">
-                <a:solidFill>
-                  <a:schemeClr val="tx1">
-                    <a:lumMod val="75000"/>
-                    <a:lumOff val="25000"/>
-                  </a:schemeClr>
-                </a:solidFill>
-                <a:latin typeface="微软雅黑" panose="020B0503020204020204" pitchFamily="34" charset="-122"/>
-                <a:ea typeface="微软雅黑" panose="020B0503020204020204" pitchFamily="34" charset="-122"/>
-              </a:rPr>
-              <a:t>标题数字等都可以通过点击和重新输入进行更改，顶部“开始”面板中可以对字体、字号、颜色、行距等进行修改。标题数字等都可以通过点击和重新输入进行更改。</a:t>
-            </a:r>
             <a:endParaRPr lang="en-US" altLang="zh-CN" sz="1200" dirty="0">
               <a:solidFill>
                 <a:schemeClr val="tx1">
@@ -7251,168 +7154,192 @@
                   <a:lumOff val="25000"/>
                 </a:schemeClr>
               </a:solidFill>
-              <a:latin typeface="微软雅黑" panose="020B0503020204020204" pitchFamily="34" charset="-122"/>
-              <a:ea typeface="微软雅黑" panose="020B0503020204020204" pitchFamily="34" charset="-122"/>
+              <a:latin typeface="微软雅黑" panose="020B0503020204020204" charset="-122"/>
+              <a:ea typeface="微软雅黑" panose="020B0503020204020204" charset="-122"/>
             </a:endParaRPr>
+          </a:p>
+        </p:txBody>
+      </p:sp>
+      <p:pic>
+        <p:nvPicPr>
+          <p:cNvPr id="4" name="图片 3"/>
+          <p:cNvPicPr>
+            <a:picLocks noChangeAspect="1"/>
+          </p:cNvPicPr>
+          <p:nvPr/>
+        </p:nvPicPr>
+        <p:blipFill>
+          <a:blip r:embed="rId1"/>
+          <a:stretch>
+            <a:fillRect/>
+          </a:stretch>
+        </p:blipFill>
+        <p:spPr>
+          <a:xfrm>
+            <a:off x="386080" y="2525395"/>
+            <a:ext cx="5447665" cy="3142615"/>
+          </a:xfrm>
+          <a:prstGeom prst="rect">
+            <a:avLst/>
+          </a:prstGeom>
+        </p:spPr>
+      </p:pic>
+      <p:pic>
+        <p:nvPicPr>
+          <p:cNvPr id="7" name="图片 6"/>
+          <p:cNvPicPr>
+            <a:picLocks noChangeAspect="1"/>
+          </p:cNvPicPr>
+          <p:nvPr/>
+        </p:nvPicPr>
+        <p:blipFill>
+          <a:blip r:embed="rId2"/>
+          <a:stretch>
+            <a:fillRect/>
+          </a:stretch>
+        </p:blipFill>
+        <p:spPr>
+          <a:xfrm>
+            <a:off x="9826625" y="2127250"/>
+            <a:ext cx="2058670" cy="2603500"/>
+          </a:xfrm>
+          <a:prstGeom prst="rect">
+            <a:avLst/>
+          </a:prstGeom>
+        </p:spPr>
+      </p:pic>
+      <p:sp>
+        <p:nvSpPr>
+          <p:cNvPr id="9" name="文本框 8"/>
+          <p:cNvSpPr txBox="1"/>
+          <p:nvPr/>
+        </p:nvSpPr>
+        <p:spPr>
+          <a:xfrm>
+            <a:off x="7077075" y="2082800"/>
+            <a:ext cx="2474595" cy="583565"/>
+          </a:xfrm>
+          <a:prstGeom prst="rect">
+            <a:avLst/>
+          </a:prstGeom>
+          <a:noFill/>
+        </p:spPr>
+        <p:txBody>
+          <a:bodyPr wrap="none" rtlCol="0">
+            <a:spAutoFit/>
+          </a:bodyPr>
+          <a:p>
+            <a:r>
+              <a:rPr lang="zh-CN" altLang="en-US" sz="1600"/>
+              <a:t>功能一</a:t>
+            </a:r>
+            <a:r>
+              <a:rPr lang="en-US" altLang="zh-CN" sz="1600"/>
+              <a:t>:</a:t>
+            </a:r>
+            <a:r>
+              <a:rPr lang="zh-CN" altLang="en-US" sz="1600"/>
+              <a:t>查找不需要的资源</a:t>
+            </a:r>
+            <a:endParaRPr lang="zh-CN" altLang="en-US" sz="1600"/>
+          </a:p>
+          <a:p>
+            <a:endParaRPr lang="zh-CN" altLang="en-US" sz="1600"/>
           </a:p>
         </p:txBody>
       </p:sp>
       <p:sp>
         <p:nvSpPr>
-          <p:cNvPr id="35" name="矩形 7"/>
-          <p:cNvSpPr>
-            <a:spLocks noChangeArrowheads="1"/>
-          </p:cNvSpPr>
+          <p:cNvPr id="10" name="文本框 9"/>
+          <p:cNvSpPr txBox="1"/>
           <p:nvPr/>
         </p:nvSpPr>
-        <p:spPr bwMode="auto">
+        <p:spPr>
           <a:xfrm>
-            <a:off x="8733550" y="3718205"/>
-            <a:ext cx="1896673" cy="369332"/>
-          </a:xfrm>
-          <a:prstGeom prst="rect">
-            <a:avLst/>
-          </a:prstGeom>
-          <a:solidFill>
-            <a:schemeClr val="accent1"/>
-          </a:solidFill>
-          <a:ln>
-            <a:noFill/>
-          </a:ln>
-          <a:extLst/>
-        </p:spPr>
-        <p:txBody>
-          <a:bodyPr wrap="none">
-            <a:spAutoFit/>
-          </a:bodyPr>
-          <a:lstStyle/>
-          <a:p>
-            <a:pPr defTabSz="914400" fontAlgn="base">
-              <a:spcBef>
-                <a:spcPct val="0"/>
-              </a:spcBef>
-              <a:spcAft>
-                <a:spcPct val="0"/>
-              </a:spcAft>
-            </a:pPr>
-            <a:r>
-              <a:rPr lang="en-US" altLang="zh-CN" b="1" dirty="0">
-                <a:solidFill>
-                  <a:schemeClr val="bg1"/>
-                </a:solidFill>
-                <a:latin typeface="Century Gothic" pitchFamily="34" charset="0"/>
-              </a:rPr>
-              <a:t>ADD YOUR TEXT</a:t>
-            </a:r>
-            <a:endParaRPr lang="zh-CN" altLang="en-US" b="1" dirty="0">
-              <a:solidFill>
-                <a:schemeClr val="bg1"/>
-              </a:solidFill>
-              <a:latin typeface="Century Gothic" pitchFamily="34" charset="0"/>
-            </a:endParaRPr>
-          </a:p>
-        </p:txBody>
-      </p:sp>
-      <p:sp>
-        <p:nvSpPr>
-          <p:cNvPr id="36" name="矩形 35"/>
-          <p:cNvSpPr>
-            <a:spLocks noChangeArrowheads="1"/>
-          </p:cNvSpPr>
-          <p:nvPr/>
-        </p:nvSpPr>
-        <p:spPr bwMode="auto">
-          <a:xfrm>
-            <a:off x="8729551" y="4131405"/>
-            <a:ext cx="2536144" cy="1292662"/>
+            <a:off x="7205980" y="2525395"/>
+            <a:ext cx="2435225" cy="1168400"/>
           </a:xfrm>
           <a:prstGeom prst="rect">
             <a:avLst/>
           </a:prstGeom>
           <a:noFill/>
-          <a:ln>
-            <a:noFill/>
-          </a:ln>
-          <a:extLst>
-            <a:ext uri="{909E8E84-426E-40dd-AFC4-6F175D3DCCD1}">
-              <a14:hiddenFill xmlns:a14="http://schemas.microsoft.com/office/drawing/2010/main">
-                <a:solidFill>
-                  <a:srgbClr val="FFFFFF"/>
-                </a:solidFill>
-              </a14:hiddenFill>
-            </a:ext>
-            <a:ext uri="{91240B29-F687-4f45-9708-019B960494DF}">
-              <a14:hiddenLine xmlns:a14="http://schemas.microsoft.com/office/drawing/2010/main" w="9525">
-                <a:solidFill>
-                  <a:srgbClr val="000000"/>
-                </a:solidFill>
-                <a:miter lim="800000"/>
-                <a:headEnd/>
-                <a:tailEnd/>
-              </a14:hiddenLine>
-            </a:ext>
-          </a:extLst>
         </p:spPr>
         <p:txBody>
-          <a:bodyPr wrap="square">
+          <a:bodyPr wrap="square" rtlCol="0">
             <a:spAutoFit/>
           </a:bodyPr>
-          <a:lstStyle/>
           <a:p>
-            <a:pPr defTabSz="914400" fontAlgn="base">
-              <a:lnSpc>
-                <a:spcPct val="130000"/>
-              </a:lnSpc>
-              <a:spcBef>
-                <a:spcPct val="0"/>
-              </a:spcBef>
-              <a:spcAft>
-                <a:spcPct val="0"/>
-              </a:spcAft>
-            </a:pPr>
-            <a:r>
-              <a:rPr lang="zh-CN" altLang="en-US" sz="1200" dirty="0">
-                <a:solidFill>
-                  <a:schemeClr val="tx1">
-                    <a:lumMod val="75000"/>
-                    <a:lumOff val="25000"/>
-                  </a:schemeClr>
-                </a:solidFill>
-                <a:latin typeface="微软雅黑" panose="020B0503020204020204" pitchFamily="34" charset="-122"/>
-                <a:ea typeface="微软雅黑" panose="020B0503020204020204" pitchFamily="34" charset="-122"/>
-              </a:rPr>
-              <a:t>标题数字等都可以通过点击和重新输入进行更改，顶部“开始”面板中可以对字体、字号、颜色、行距等进行修改。标题数字等都可以通过点击和重新输入进行更改。</a:t>
-            </a:r>
-            <a:endParaRPr lang="en-US" altLang="zh-CN" sz="1200" dirty="0">
-              <a:solidFill>
-                <a:schemeClr val="tx1">
-                  <a:lumMod val="75000"/>
-                  <a:lumOff val="25000"/>
-                </a:schemeClr>
-              </a:solidFill>
-              <a:latin typeface="微软雅黑" panose="020B0503020204020204" pitchFamily="34" charset="-122"/>
-              <a:ea typeface="微软雅黑" panose="020B0503020204020204" pitchFamily="34" charset="-122"/>
-            </a:endParaRPr>
+            <a:r>
+              <a:rPr lang="zh-CN" altLang="en-US" sz="1400"/>
+              <a:t>这里列举了不同的资源类型</a:t>
+            </a:r>
+            <a:r>
+              <a:rPr lang="en-US" altLang="zh-CN" sz="1400"/>
+              <a:t>,</a:t>
+            </a:r>
+            <a:r>
+              <a:rPr lang="zh-CN" altLang="en-US" sz="1400"/>
+              <a:t>所对应的功能</a:t>
+            </a:r>
+            <a:r>
+              <a:rPr lang="en-US" altLang="zh-CN" sz="1400"/>
+              <a:t>,</a:t>
+            </a:r>
+            <a:r>
+              <a:rPr lang="zh-CN" altLang="en-US" sz="1400"/>
+              <a:t>查找出来的结果输出到配置中的输出路径</a:t>
+            </a:r>
+            <a:endParaRPr lang="zh-CN" altLang="en-US" sz="1400"/>
+          </a:p>
+          <a:p>
+            <a:r>
+              <a:rPr lang="zh-CN" altLang="en-US" sz="1400"/>
+              <a:t>输出结果之后</a:t>
+            </a:r>
+            <a:r>
+              <a:rPr lang="en-US" altLang="zh-CN" sz="1400"/>
+              <a:t>,</a:t>
+            </a:r>
+            <a:r>
+              <a:rPr lang="zh-CN" altLang="en-US" sz="1400"/>
+              <a:t>部分机器删除</a:t>
+            </a:r>
+            <a:r>
+              <a:rPr lang="en-US" altLang="zh-CN" sz="1400"/>
+              <a:t>,</a:t>
+            </a:r>
+            <a:r>
+              <a:rPr lang="zh-CN" altLang="en-US" sz="1400"/>
+              <a:t>不确认的</a:t>
+            </a:r>
+            <a:r>
+              <a:rPr lang="en-US" altLang="zh-CN" sz="1400"/>
+              <a:t>,</a:t>
+            </a:r>
+            <a:r>
+              <a:rPr lang="zh-CN" altLang="en-US" sz="1400"/>
+              <a:t>人工确认删除</a:t>
+            </a:r>
+            <a:r>
+              <a:rPr lang="en-US" altLang="zh-CN" sz="1400"/>
+              <a:t>.</a:t>
+            </a:r>
+            <a:endParaRPr lang="en-US" altLang="zh-CN" sz="1400"/>
           </a:p>
         </p:txBody>
       </p:sp>
     </p:spTree>
-    <p:extLst>
-      <p:ext uri="{BB962C8B-B14F-4D97-AF65-F5344CB8AC3E}">
-        <p14:creationId xmlns:p14="http://schemas.microsoft.com/office/powerpoint/2010/main" val="4294005703"/>
-      </p:ext>
-    </p:extLst>
   </p:cSld>
   <p:clrMapOvr>
     <a:masterClrMapping/>
   </p:clrMapOvr>
-  <mc:AlternateContent xmlns:mc="http://schemas.openxmlformats.org/markup-compatibility/2006" xmlns:p14="http://schemas.microsoft.com/office/powerpoint/2010/main">
-    <mc:Choice Requires="p14">
+  <mc:AlternateContent xmlns:mc="http://schemas.openxmlformats.org/markup-compatibility/2006">
+    <mc:Choice xmlns:p14="http://schemas.microsoft.com/office/powerpoint/2010/main" Requires="p14">
       <p:transition spd="med" p14:dur="700">
         <p:fade/>
       </p:transition>
     </mc:Choice>
-    <mc:Fallback xmlns="">
+    <mc:Fallback>
       <p:transition spd="med">
         <p:fade/>
       </p:transition>
@@ -7421,7 +7348,7 @@
   <p:timing>
     <p:tnLst>
       <p:par>
-        <p:cTn xmlns:p14="http://schemas.microsoft.com/office/powerpoint/2010/main" id="1" dur="indefinite" restart="never" nodeType="tmRoot"/>
+        <p:cTn id="1" dur="indefinite" restart="never" nodeType="tmRoot"/>
       </p:par>
     </p:tnLst>
   </p:timing>
@@ -7462,8 +7389,428 @@
           <a:p>
             <a:r>
               <a:rPr kumimoji="1" lang="zh-CN" altLang="en-US" dirty="0"/>
+              <a:t>资源清理编辑器功能二</a:t>
+            </a:r>
+            <a:endParaRPr kumimoji="1" lang="zh-CN" altLang="en-US" dirty="0"/>
+          </a:p>
+        </p:txBody>
+      </p:sp>
+      <p:sp>
+        <p:nvSpPr>
+          <p:cNvPr id="35" name="矩形 7"/>
+          <p:cNvSpPr>
+            <a:spLocks noChangeArrowheads="1"/>
+          </p:cNvSpPr>
+          <p:nvPr/>
+        </p:nvSpPr>
+        <p:spPr bwMode="auto">
+          <a:xfrm>
+            <a:off x="282335" y="1499515"/>
+            <a:ext cx="1896673" cy="369332"/>
+          </a:xfrm>
+          <a:prstGeom prst="rect">
+            <a:avLst/>
+          </a:prstGeom>
+          <a:solidFill>
+            <a:schemeClr val="accent1"/>
+          </a:solidFill>
+          <a:ln>
+            <a:noFill/>
+          </a:ln>
+        </p:spPr>
+        <p:txBody>
+          <a:bodyPr wrap="none">
+            <a:spAutoFit/>
+          </a:bodyPr>
+          <a:lstStyle/>
+          <a:p>
+            <a:pPr defTabSz="914400" fontAlgn="base">
+              <a:spcBef>
+                <a:spcPct val="0"/>
+              </a:spcBef>
+              <a:spcAft>
+                <a:spcPct val="0"/>
+              </a:spcAft>
+            </a:pPr>
+            <a:r>
+              <a:rPr lang="en-US" altLang="zh-CN" b="1" dirty="0">
+                <a:solidFill>
+                  <a:schemeClr val="bg1"/>
+                </a:solidFill>
+                <a:latin typeface="Century Gothic" panose="020B0502020202020204" pitchFamily="34" charset="0"/>
+              </a:rPr>
+              <a:t>ADD YOUR TEXT</a:t>
+            </a:r>
+            <a:endParaRPr lang="zh-CN" altLang="en-US" b="1" dirty="0">
+              <a:solidFill>
+                <a:schemeClr val="bg1"/>
+              </a:solidFill>
+              <a:latin typeface="Century Gothic" panose="020B0502020202020204" pitchFamily="34" charset="0"/>
+            </a:endParaRPr>
+          </a:p>
+        </p:txBody>
+      </p:sp>
+      <p:sp>
+        <p:nvSpPr>
+          <p:cNvPr id="36" name="矩形 35"/>
+          <p:cNvSpPr>
+            <a:spLocks noChangeArrowheads="1"/>
+          </p:cNvSpPr>
+          <p:nvPr/>
+        </p:nvSpPr>
+        <p:spPr bwMode="auto">
+          <a:xfrm>
+            <a:off x="282781" y="2023840"/>
+            <a:ext cx="2536144" cy="1292662"/>
+          </a:xfrm>
+          <a:prstGeom prst="rect">
+            <a:avLst/>
+          </a:prstGeom>
+          <a:noFill/>
+          <a:ln>
+            <a:noFill/>
+          </a:ln>
+        </p:spPr>
+        <p:txBody>
+          <a:bodyPr wrap="square">
+            <a:spAutoFit/>
+          </a:bodyPr>
+          <a:lstStyle/>
+          <a:p>
+            <a:pPr defTabSz="914400" fontAlgn="base">
+              <a:lnSpc>
+                <a:spcPct val="130000"/>
+              </a:lnSpc>
+              <a:spcBef>
+                <a:spcPct val="0"/>
+              </a:spcBef>
+              <a:spcAft>
+                <a:spcPct val="0"/>
+              </a:spcAft>
+            </a:pPr>
+            <a:r>
+              <a:rPr lang="zh-CN" altLang="en-US" sz="1200" dirty="0">
+                <a:solidFill>
+                  <a:schemeClr val="tx1">
+                    <a:lumMod val="75000"/>
+                    <a:lumOff val="25000"/>
+                  </a:schemeClr>
+                </a:solidFill>
+                <a:latin typeface="微软雅黑" panose="020B0503020204020204" charset="-122"/>
+                <a:ea typeface="微软雅黑" panose="020B0503020204020204" charset="-122"/>
+              </a:rPr>
+              <a:t>标题数字等都可以通过点击和重新输入进行更改，顶部“开始”面板中可以对字体、字号、颜色、行距等进行修改。标题数字等都可以通过点击和重新输入进行更改。</a:t>
+            </a:r>
+            <a:endParaRPr lang="en-US" altLang="zh-CN" sz="1200" dirty="0">
+              <a:solidFill>
+                <a:schemeClr val="tx1">
+                  <a:lumMod val="75000"/>
+                  <a:lumOff val="25000"/>
+                </a:schemeClr>
+              </a:solidFill>
+              <a:latin typeface="微软雅黑" panose="020B0503020204020204" charset="-122"/>
+              <a:ea typeface="微软雅黑" panose="020B0503020204020204" charset="-122"/>
+            </a:endParaRPr>
+          </a:p>
+        </p:txBody>
+      </p:sp>
+    </p:spTree>
+  </p:cSld>
+  <p:clrMapOvr>
+    <a:masterClrMapping/>
+  </p:clrMapOvr>
+  <mc:AlternateContent xmlns:mc="http://schemas.openxmlformats.org/markup-compatibility/2006">
+    <mc:Choice xmlns:p14="http://schemas.microsoft.com/office/powerpoint/2010/main" Requires="p14">
+      <p:transition spd="med" p14:dur="700">
+        <p:fade/>
+      </p:transition>
+    </mc:Choice>
+    <mc:Fallback>
+      <p:transition spd="med">
+        <p:fade/>
+      </p:transition>
+    </mc:Fallback>
+  </mc:AlternateContent>
+  <p:timing>
+    <p:tnLst>
+      <p:par>
+        <p:cTn id="1" dur="indefinite" restart="never" nodeType="tmRoot"/>
+      </p:par>
+    </p:tnLst>
+  </p:timing>
+</p:sld>
+</file>
+
+<file path=ppt/slides/slide5.xml><?xml version="1.0" encoding="utf-8"?>
+<p:sld xmlns:a="http://schemas.openxmlformats.org/drawingml/2006/main" xmlns:r="http://schemas.openxmlformats.org/officeDocument/2006/relationships" xmlns:p="http://schemas.openxmlformats.org/presentationml/2006/main">
+  <p:cSld>
+    <p:spTree>
+      <p:nvGrpSpPr>
+        <p:cNvPr id="1" name=""/>
+        <p:cNvGrpSpPr/>
+        <p:nvPr/>
+      </p:nvGrpSpPr>
+      <p:grpSpPr>
+        <a:xfrm>
+          <a:off x="0" y="0"/>
+          <a:ext cx="0" cy="0"/>
+          <a:chOff x="0" y="0"/>
+          <a:chExt cx="0" cy="0"/>
+        </a:xfrm>
+      </p:grpSpPr>
+      <p:sp>
+        <p:nvSpPr>
+          <p:cNvPr id="2" name="文本占位符 1"/>
+          <p:cNvSpPr>
+            <a:spLocks noGrp="1"/>
+          </p:cNvSpPr>
+          <p:nvPr>
+            <p:ph type="body" sz="quarter" idx="10"/>
+          </p:nvPr>
+        </p:nvSpPr>
+        <p:spPr/>
+        <p:txBody>
+          <a:bodyPr/>
+          <a:lstStyle/>
+          <a:p>
+            <a:r>
+              <a:rPr kumimoji="1" lang="zh-CN" altLang="en-US" dirty="0"/>
               <a:t>点击此处添加标题</a:t>
             </a:r>
+            <a:endParaRPr kumimoji="1" lang="zh-CN" altLang="en-US" dirty="0"/>
+          </a:p>
+        </p:txBody>
+      </p:sp>
+      <p:sp>
+        <p:nvSpPr>
+          <p:cNvPr id="25" name="矩形 7"/>
+          <p:cNvSpPr>
+            <a:spLocks noChangeArrowheads="1"/>
+          </p:cNvSpPr>
+          <p:nvPr/>
+        </p:nvSpPr>
+        <p:spPr bwMode="auto">
+          <a:xfrm>
+            <a:off x="390069" y="1442753"/>
+            <a:ext cx="1097280" cy="368300"/>
+          </a:xfrm>
+          <a:prstGeom prst="rect">
+            <a:avLst/>
+          </a:prstGeom>
+          <a:solidFill>
+            <a:schemeClr val="accent5"/>
+          </a:solidFill>
+          <a:ln>
+            <a:noFill/>
+          </a:ln>
+        </p:spPr>
+        <p:txBody>
+          <a:bodyPr wrap="none">
+            <a:spAutoFit/>
+          </a:bodyPr>
+          <a:lstStyle/>
+          <a:p>
+            <a:pPr defTabSz="914400" fontAlgn="base">
+              <a:spcBef>
+                <a:spcPct val="0"/>
+              </a:spcBef>
+              <a:spcAft>
+                <a:spcPct val="0"/>
+              </a:spcAft>
+            </a:pPr>
+            <a:r>
+              <a:rPr lang="zh-CN" altLang="en-US" b="1" dirty="0">
+                <a:solidFill>
+                  <a:schemeClr val="bg1"/>
+                </a:solidFill>
+                <a:latin typeface="Century Gothic" panose="020B0502020202020204" pitchFamily="34" charset="0"/>
+              </a:rPr>
+              <a:t>工作结果</a:t>
+            </a:r>
+            <a:endParaRPr lang="zh-CN" altLang="en-US" b="1" dirty="0">
+              <a:solidFill>
+                <a:schemeClr val="bg1"/>
+              </a:solidFill>
+              <a:latin typeface="Century Gothic" panose="020B0502020202020204" pitchFamily="34" charset="0"/>
+            </a:endParaRPr>
+          </a:p>
+        </p:txBody>
+      </p:sp>
+      <p:sp>
+        <p:nvSpPr>
+          <p:cNvPr id="26" name="矩形 6"/>
+          <p:cNvSpPr>
+            <a:spLocks noChangeArrowheads="1"/>
+          </p:cNvSpPr>
+          <p:nvPr/>
+        </p:nvSpPr>
+        <p:spPr bwMode="auto">
+          <a:xfrm>
+            <a:off x="386070" y="1855953"/>
+            <a:ext cx="2536144" cy="570865"/>
+          </a:xfrm>
+          <a:prstGeom prst="rect">
+            <a:avLst/>
+          </a:prstGeom>
+          <a:noFill/>
+          <a:ln>
+            <a:noFill/>
+          </a:ln>
+        </p:spPr>
+        <p:txBody>
+          <a:bodyPr wrap="square">
+            <a:spAutoFit/>
+          </a:bodyPr>
+          <a:lstStyle/>
+          <a:p>
+            <a:pPr defTabSz="914400" fontAlgn="base">
+              <a:lnSpc>
+                <a:spcPct val="130000"/>
+              </a:lnSpc>
+              <a:spcBef>
+                <a:spcPct val="0"/>
+              </a:spcBef>
+              <a:spcAft>
+                <a:spcPct val="0"/>
+              </a:spcAft>
+            </a:pPr>
+            <a:r>
+              <a:rPr lang="zh-CN" altLang="en-US" sz="1200" dirty="0">
+                <a:solidFill>
+                  <a:schemeClr val="tx1">
+                    <a:lumMod val="75000"/>
+                    <a:lumOff val="25000"/>
+                  </a:schemeClr>
+                </a:solidFill>
+                <a:latin typeface="微软雅黑" panose="020B0503020204020204" charset="-122"/>
+                <a:ea typeface="微软雅黑" panose="020B0503020204020204" charset="-122"/>
+              </a:rPr>
+              <a:t>以下是资源清理工具的展示</a:t>
+            </a:r>
+            <a:endParaRPr lang="zh-CN" altLang="en-US" sz="1200" dirty="0">
+              <a:solidFill>
+                <a:schemeClr val="tx1">
+                  <a:lumMod val="75000"/>
+                  <a:lumOff val="25000"/>
+                </a:schemeClr>
+              </a:solidFill>
+              <a:latin typeface="微软雅黑" panose="020B0503020204020204" charset="-122"/>
+              <a:ea typeface="微软雅黑" panose="020B0503020204020204" charset="-122"/>
+            </a:endParaRPr>
+          </a:p>
+          <a:p>
+            <a:pPr defTabSz="914400" fontAlgn="base">
+              <a:lnSpc>
+                <a:spcPct val="130000"/>
+              </a:lnSpc>
+              <a:spcBef>
+                <a:spcPct val="0"/>
+              </a:spcBef>
+              <a:spcAft>
+                <a:spcPct val="0"/>
+              </a:spcAft>
+            </a:pPr>
+            <a:endParaRPr lang="en-US" altLang="zh-CN" sz="1200" dirty="0">
+              <a:solidFill>
+                <a:schemeClr val="tx1">
+                  <a:lumMod val="75000"/>
+                  <a:lumOff val="25000"/>
+                </a:schemeClr>
+              </a:solidFill>
+              <a:latin typeface="微软雅黑" panose="020B0503020204020204" charset="-122"/>
+              <a:ea typeface="微软雅黑" panose="020B0503020204020204" charset="-122"/>
+            </a:endParaRPr>
+          </a:p>
+        </p:txBody>
+      </p:sp>
+      <p:pic>
+        <p:nvPicPr>
+          <p:cNvPr id="3" name="图片 2" descr="工具2"/>
+          <p:cNvPicPr>
+            <a:picLocks noChangeAspect="1"/>
+          </p:cNvPicPr>
+          <p:nvPr/>
+        </p:nvPicPr>
+        <p:blipFill>
+          <a:blip r:embed="rId1"/>
+          <a:stretch>
+            <a:fillRect/>
+          </a:stretch>
+        </p:blipFill>
+        <p:spPr>
+          <a:xfrm>
+            <a:off x="2806700" y="972820"/>
+            <a:ext cx="9246235" cy="5553710"/>
+          </a:xfrm>
+          <a:prstGeom prst="rect">
+            <a:avLst/>
+          </a:prstGeom>
+        </p:spPr>
+      </p:pic>
+    </p:spTree>
+  </p:cSld>
+  <p:clrMapOvr>
+    <a:masterClrMapping/>
+  </p:clrMapOvr>
+  <mc:AlternateContent xmlns:mc="http://schemas.openxmlformats.org/markup-compatibility/2006">
+    <mc:Choice xmlns:p14="http://schemas.microsoft.com/office/powerpoint/2010/main" Requires="p14">
+      <p:transition spd="med" p14:dur="700">
+        <p:fade/>
+      </p:transition>
+    </mc:Choice>
+    <mc:Fallback>
+      <p:transition spd="med">
+        <p:fade/>
+      </p:transition>
+    </mc:Fallback>
+  </mc:AlternateContent>
+  <p:timing>
+    <p:tnLst>
+      <p:par>
+        <p:cTn id="1" dur="indefinite" restart="never" nodeType="tmRoot"/>
+      </p:par>
+    </p:tnLst>
+  </p:timing>
+</p:sld>
+</file>
+
+<file path=ppt/slides/slide6.xml><?xml version="1.0" encoding="utf-8"?>
+<p:sld xmlns:a="http://schemas.openxmlformats.org/drawingml/2006/main" xmlns:r="http://schemas.openxmlformats.org/officeDocument/2006/relationships" xmlns:p="http://schemas.openxmlformats.org/presentationml/2006/main">
+  <p:cSld>
+    <p:spTree>
+      <p:nvGrpSpPr>
+        <p:cNvPr id="1" name=""/>
+        <p:cNvGrpSpPr/>
+        <p:nvPr/>
+      </p:nvGrpSpPr>
+      <p:grpSpPr>
+        <a:xfrm>
+          <a:off x="0" y="0"/>
+          <a:ext cx="0" cy="0"/>
+          <a:chOff x="0" y="0"/>
+          <a:chExt cx="0" cy="0"/>
+        </a:xfrm>
+      </p:grpSpPr>
+      <p:sp>
+        <p:nvSpPr>
+          <p:cNvPr id="2" name="文本占位符 1"/>
+          <p:cNvSpPr>
+            <a:spLocks noGrp="1"/>
+          </p:cNvSpPr>
+          <p:nvPr>
+            <p:ph type="body" sz="quarter" idx="10"/>
+          </p:nvPr>
+        </p:nvSpPr>
+        <p:spPr/>
+        <p:txBody>
+          <a:bodyPr/>
+          <a:lstStyle/>
+          <a:p>
+            <a:r>
+              <a:rPr kumimoji="1" lang="zh-CN" altLang="en-US" dirty="0"/>
+              <a:t>点击此处添加标题</a:t>
+            </a:r>
+            <a:endParaRPr kumimoji="1" lang="zh-CN" altLang="en-US" dirty="0"/>
           </a:p>
         </p:txBody>
       </p:sp>
@@ -7503,9 +7850,7 @@
         <p:nvGraphicFramePr>
           <p:cNvPr id="24" name="图表 23"/>
           <p:cNvGraphicFramePr/>
-          <p:nvPr>
-            <p:extLst/>
-          </p:nvPr>
+          <p:nvPr/>
         </p:nvGraphicFramePr>
         <p:xfrm>
           <a:off x="406080" y="1638163"/>
@@ -7513,7 +7858,7 @@
         </p:xfrm>
         <a:graphic>
           <a:graphicData uri="http://schemas.openxmlformats.org/drawingml/2006/chart">
-            <c:chart xmlns:c="http://schemas.openxmlformats.org/drawingml/2006/chart" xmlns:r="http://schemas.openxmlformats.org/officeDocument/2006/relationships" r:id="rId4"/>
+            <c:chart xmlns:c="http://schemas.openxmlformats.org/drawingml/2006/chart" xmlns:r="http://schemas.openxmlformats.org/officeDocument/2006/relationships" r:id="rId1"/>
           </a:graphicData>
         </a:graphic>
       </p:graphicFrame>
@@ -7539,7 +7884,6 @@
           <a:ln>
             <a:noFill/>
           </a:ln>
-          <a:extLst/>
         </p:spPr>
         <p:txBody>
           <a:bodyPr wrap="none">
@@ -7560,7 +7904,7 @@
                 <a:solidFill>
                   <a:schemeClr val="bg1"/>
                 </a:solidFill>
-                <a:latin typeface="Century Gothic" pitchFamily="34" charset="0"/>
+                <a:latin typeface="Century Gothic" panose="020B0502020202020204" pitchFamily="34" charset="0"/>
               </a:rPr>
               <a:t>ADD YOUR TEXT</a:t>
             </a:r>
@@ -7568,7 +7912,7 @@
               <a:solidFill>
                 <a:schemeClr val="bg1"/>
               </a:solidFill>
-              <a:latin typeface="Century Gothic" pitchFamily="34" charset="0"/>
+              <a:latin typeface="Century Gothic" panose="020B0502020202020204" pitchFamily="34" charset="0"/>
             </a:endParaRPr>
           </a:p>
         </p:txBody>
@@ -7593,25 +7937,6 @@
           <a:ln>
             <a:noFill/>
           </a:ln>
-          <a:extLst>
-            <a:ext uri="{909E8E84-426E-40dd-AFC4-6F175D3DCCD1}">
-              <a14:hiddenFill xmlns:a14="http://schemas.microsoft.com/office/drawing/2010/main">
-                <a:solidFill>
-                  <a:srgbClr val="FFFFFF"/>
-                </a:solidFill>
-              </a14:hiddenFill>
-            </a:ext>
-            <a:ext uri="{91240B29-F687-4f45-9708-019B960494DF}">
-              <a14:hiddenLine xmlns:a14="http://schemas.microsoft.com/office/drawing/2010/main" w="9525">
-                <a:solidFill>
-                  <a:srgbClr val="000000"/>
-                </a:solidFill>
-                <a:miter lim="800000"/>
-                <a:headEnd/>
-                <a:tailEnd/>
-              </a14:hiddenLine>
-            </a:ext>
-          </a:extLst>
         </p:spPr>
         <p:txBody>
           <a:bodyPr wrap="square">
@@ -7638,8 +7963,8 @@
                     <a:lumOff val="25000"/>
                   </a:schemeClr>
                 </a:solidFill>
-                <a:latin typeface="微软雅黑" panose="020B0503020204020204" pitchFamily="34" charset="-122"/>
-                <a:ea typeface="微软雅黑" panose="020B0503020204020204" pitchFamily="34" charset="-122"/>
+                <a:latin typeface="微软雅黑" panose="020B0503020204020204" charset="-122"/>
+                <a:ea typeface="微软雅黑" panose="020B0503020204020204" charset="-122"/>
               </a:rPr>
               <a:t>标题数字等都可以通过点击和重新输入进行更改，顶部“开始”面板中可以对字体、字号、颜色、行距等进行修改。标题数字等都可以通过点击和重新输入进行更改。</a:t>
             </a:r>
@@ -7650,8 +7975,8 @@
                   <a:lumOff val="25000"/>
                 </a:schemeClr>
               </a:solidFill>
-              <a:latin typeface="微软雅黑" panose="020B0503020204020204" pitchFamily="34" charset="-122"/>
-              <a:ea typeface="微软雅黑" panose="020B0503020204020204" pitchFamily="34" charset="-122"/>
+              <a:latin typeface="微软雅黑" panose="020B0503020204020204" charset="-122"/>
+              <a:ea typeface="微软雅黑" panose="020B0503020204020204" charset="-122"/>
             </a:endParaRPr>
           </a:p>
         </p:txBody>
@@ -7678,7 +8003,6 @@
           <a:ln>
             <a:noFill/>
           </a:ln>
-          <a:extLst/>
         </p:spPr>
         <p:txBody>
           <a:bodyPr wrap="none">
@@ -7699,7 +8023,7 @@
                 <a:solidFill>
                   <a:schemeClr val="bg1"/>
                 </a:solidFill>
-                <a:latin typeface="Century Gothic" pitchFamily="34" charset="0"/>
+                <a:latin typeface="Century Gothic" panose="020B0502020202020204" pitchFamily="34" charset="0"/>
               </a:rPr>
               <a:t>ADD YOUR TEXT</a:t>
             </a:r>
@@ -7707,7 +8031,7 @@
               <a:solidFill>
                 <a:schemeClr val="bg1"/>
               </a:solidFill>
-              <a:latin typeface="Century Gothic" pitchFamily="34" charset="0"/>
+              <a:latin typeface="Century Gothic" panose="020B0502020202020204" pitchFamily="34" charset="0"/>
             </a:endParaRPr>
           </a:p>
         </p:txBody>
@@ -7732,25 +8056,6 @@
           <a:ln>
             <a:noFill/>
           </a:ln>
-          <a:extLst>
-            <a:ext uri="{909E8E84-426E-40dd-AFC4-6F175D3DCCD1}">
-              <a14:hiddenFill xmlns:a14="http://schemas.microsoft.com/office/drawing/2010/main">
-                <a:solidFill>
-                  <a:srgbClr val="FFFFFF"/>
-                </a:solidFill>
-              </a14:hiddenFill>
-            </a:ext>
-            <a:ext uri="{91240B29-F687-4f45-9708-019B960494DF}">
-              <a14:hiddenLine xmlns:a14="http://schemas.microsoft.com/office/drawing/2010/main" w="9525">
-                <a:solidFill>
-                  <a:srgbClr val="000000"/>
-                </a:solidFill>
-                <a:miter lim="800000"/>
-                <a:headEnd/>
-                <a:tailEnd/>
-              </a14:hiddenLine>
-            </a:ext>
-          </a:extLst>
         </p:spPr>
         <p:txBody>
           <a:bodyPr wrap="square">
@@ -7777,8 +8082,8 @@
                     <a:lumOff val="25000"/>
                   </a:schemeClr>
                 </a:solidFill>
-                <a:latin typeface="微软雅黑" panose="020B0503020204020204" pitchFamily="34" charset="-122"/>
-                <a:ea typeface="微软雅黑" panose="020B0503020204020204" pitchFamily="34" charset="-122"/>
+                <a:latin typeface="微软雅黑" panose="020B0503020204020204" charset="-122"/>
+                <a:ea typeface="微软雅黑" panose="020B0503020204020204" charset="-122"/>
               </a:rPr>
               <a:t>标题数字等都可以通过点击和重新输入进行更改，顶部“开始”面板中可以对字体、字号、颜色、行距等进行修改。标题数字等都可以通过点击和重新输入进行更改。</a:t>
             </a:r>
@@ -7789,8 +8094,8 @@
                   <a:lumOff val="25000"/>
                 </a:schemeClr>
               </a:solidFill>
-              <a:latin typeface="微软雅黑" panose="020B0503020204020204" pitchFamily="34" charset="-122"/>
-              <a:ea typeface="微软雅黑" panose="020B0503020204020204" pitchFamily="34" charset="-122"/>
+              <a:latin typeface="微软雅黑" panose="020B0503020204020204" charset="-122"/>
+              <a:ea typeface="微软雅黑" panose="020B0503020204020204" charset="-122"/>
             </a:endParaRPr>
           </a:p>
         </p:txBody>
@@ -7817,7 +8122,6 @@
           <a:ln>
             <a:noFill/>
           </a:ln>
-          <a:extLst/>
         </p:spPr>
         <p:txBody>
           <a:bodyPr wrap="none">
@@ -7838,7 +8142,7 @@
                 <a:solidFill>
                   <a:schemeClr val="bg1"/>
                 </a:solidFill>
-                <a:latin typeface="Century Gothic" pitchFamily="34" charset="0"/>
+                <a:latin typeface="Century Gothic" panose="020B0502020202020204" pitchFamily="34" charset="0"/>
               </a:rPr>
               <a:t>ADD YOUR TEXT</a:t>
             </a:r>
@@ -7846,7 +8150,7 @@
               <a:solidFill>
                 <a:schemeClr val="bg1"/>
               </a:solidFill>
-              <a:latin typeface="Century Gothic" pitchFamily="34" charset="0"/>
+              <a:latin typeface="Century Gothic" panose="020B0502020202020204" pitchFamily="34" charset="0"/>
             </a:endParaRPr>
           </a:p>
         </p:txBody>
@@ -7871,25 +8175,6 @@
           <a:ln>
             <a:noFill/>
           </a:ln>
-          <a:extLst>
-            <a:ext uri="{909E8E84-426E-40dd-AFC4-6F175D3DCCD1}">
-              <a14:hiddenFill xmlns:a14="http://schemas.microsoft.com/office/drawing/2010/main">
-                <a:solidFill>
-                  <a:srgbClr val="FFFFFF"/>
-                </a:solidFill>
-              </a14:hiddenFill>
-            </a:ext>
-            <a:ext uri="{91240B29-F687-4f45-9708-019B960494DF}">
-              <a14:hiddenLine xmlns:a14="http://schemas.microsoft.com/office/drawing/2010/main" w="9525">
-                <a:solidFill>
-                  <a:srgbClr val="000000"/>
-                </a:solidFill>
-                <a:miter lim="800000"/>
-                <a:headEnd/>
-                <a:tailEnd/>
-              </a14:hiddenLine>
-            </a:ext>
-          </a:extLst>
         </p:spPr>
         <p:txBody>
           <a:bodyPr wrap="square">
@@ -7916,8 +8201,8 @@
                     <a:lumOff val="25000"/>
                   </a:schemeClr>
                 </a:solidFill>
-                <a:latin typeface="微软雅黑" panose="020B0503020204020204" pitchFamily="34" charset="-122"/>
-                <a:ea typeface="微软雅黑" panose="020B0503020204020204" pitchFamily="34" charset="-122"/>
+                <a:latin typeface="微软雅黑" panose="020B0503020204020204" charset="-122"/>
+                <a:ea typeface="微软雅黑" panose="020B0503020204020204" charset="-122"/>
               </a:rPr>
               <a:t>标题数字等都可以通过点击和重新输入进行更改，顶部“开始”面板中可以对字体、字号、颜色、行距等进行修改。标题数字等都可以通过点击和重新输入进行更改。</a:t>
             </a:r>
@@ -7928,8 +8213,8 @@
                   <a:lumOff val="25000"/>
                 </a:schemeClr>
               </a:solidFill>
-              <a:latin typeface="微软雅黑" panose="020B0503020204020204" pitchFamily="34" charset="-122"/>
-              <a:ea typeface="微软雅黑" panose="020B0503020204020204" pitchFamily="34" charset="-122"/>
+              <a:latin typeface="微软雅黑" panose="020B0503020204020204" charset="-122"/>
+              <a:ea typeface="微软雅黑" panose="020B0503020204020204" charset="-122"/>
             </a:endParaRPr>
           </a:p>
         </p:txBody>
@@ -7956,7 +8241,6 @@
           <a:ln>
             <a:noFill/>
           </a:ln>
-          <a:extLst/>
         </p:spPr>
         <p:txBody>
           <a:bodyPr wrap="none">
@@ -7977,7 +8261,7 @@
                 <a:solidFill>
                   <a:schemeClr val="bg1"/>
                 </a:solidFill>
-                <a:latin typeface="Century Gothic" pitchFamily="34" charset="0"/>
+                <a:latin typeface="Century Gothic" panose="020B0502020202020204" pitchFamily="34" charset="0"/>
               </a:rPr>
               <a:t>ADD YOUR TEXT</a:t>
             </a:r>
@@ -7985,7 +8269,7 @@
               <a:solidFill>
                 <a:schemeClr val="bg1"/>
               </a:solidFill>
-              <a:latin typeface="Century Gothic" pitchFamily="34" charset="0"/>
+              <a:latin typeface="Century Gothic" panose="020B0502020202020204" pitchFamily="34" charset="0"/>
             </a:endParaRPr>
           </a:p>
         </p:txBody>
@@ -8010,25 +8294,6 @@
           <a:ln>
             <a:noFill/>
           </a:ln>
-          <a:extLst>
-            <a:ext uri="{909E8E84-426E-40dd-AFC4-6F175D3DCCD1}">
-              <a14:hiddenFill xmlns:a14="http://schemas.microsoft.com/office/drawing/2010/main">
-                <a:solidFill>
-                  <a:srgbClr val="FFFFFF"/>
-                </a:solidFill>
-              </a14:hiddenFill>
-            </a:ext>
-            <a:ext uri="{91240B29-F687-4f45-9708-019B960494DF}">
-              <a14:hiddenLine xmlns:a14="http://schemas.microsoft.com/office/drawing/2010/main" w="9525">
-                <a:solidFill>
-                  <a:srgbClr val="000000"/>
-                </a:solidFill>
-                <a:miter lim="800000"/>
-                <a:headEnd/>
-                <a:tailEnd/>
-              </a14:hiddenLine>
-            </a:ext>
-          </a:extLst>
         </p:spPr>
         <p:txBody>
           <a:bodyPr wrap="square">
@@ -8055,8 +8320,8 @@
                     <a:lumOff val="25000"/>
                   </a:schemeClr>
                 </a:solidFill>
-                <a:latin typeface="微软雅黑" panose="020B0503020204020204" pitchFamily="34" charset="-122"/>
-                <a:ea typeface="微软雅黑" panose="020B0503020204020204" pitchFamily="34" charset="-122"/>
+                <a:latin typeface="微软雅黑" panose="020B0503020204020204" charset="-122"/>
+                <a:ea typeface="微软雅黑" panose="020B0503020204020204" charset="-122"/>
               </a:rPr>
               <a:t>标题数字等都可以通过点击和重新输入进行更改，顶部“开始”面板中可以对字体、字号、颜色、行距等进行修改。标题数字等都可以通过点击和重新输入进行更改。</a:t>
             </a:r>
@@ -8067,29 +8332,24 @@
                   <a:lumOff val="25000"/>
                 </a:schemeClr>
               </a:solidFill>
-              <a:latin typeface="微软雅黑" panose="020B0503020204020204" pitchFamily="34" charset="-122"/>
-              <a:ea typeface="微软雅黑" panose="020B0503020204020204" pitchFamily="34" charset="-122"/>
+              <a:latin typeface="微软雅黑" panose="020B0503020204020204" charset="-122"/>
+              <a:ea typeface="微软雅黑" panose="020B0503020204020204" charset="-122"/>
             </a:endParaRPr>
           </a:p>
         </p:txBody>
       </p:sp>
     </p:spTree>
-    <p:extLst>
-      <p:ext uri="{BB962C8B-B14F-4D97-AF65-F5344CB8AC3E}">
-        <p14:creationId xmlns:p14="http://schemas.microsoft.com/office/powerpoint/2010/main" val="2280511205"/>
-      </p:ext>
-    </p:extLst>
   </p:cSld>
   <p:clrMapOvr>
     <a:masterClrMapping/>
   </p:clrMapOvr>
-  <mc:AlternateContent xmlns:mc="http://schemas.openxmlformats.org/markup-compatibility/2006" xmlns:p14="http://schemas.microsoft.com/office/powerpoint/2010/main">
-    <mc:Choice Requires="p14">
+  <mc:AlternateContent xmlns:mc="http://schemas.openxmlformats.org/markup-compatibility/2006">
+    <mc:Choice xmlns:p14="http://schemas.microsoft.com/office/powerpoint/2010/main" Requires="p14">
       <p:transition spd="med" p14:dur="700">
         <p:fade/>
       </p:transition>
     </mc:Choice>
-    <mc:Fallback xmlns="">
+    <mc:Fallback>
       <p:transition spd="med">
         <p:fade/>
       </p:transition>
@@ -8098,7 +8358,7 @@
 </p:sld>
 </file>
 
-<file path=ppt/slides/slide5.xml><?xml version="1.0" encoding="utf-8"?>
+<file path=ppt/slides/slide7.xml><?xml version="1.0" encoding="utf-8"?>
 <p:sld xmlns:a="http://schemas.openxmlformats.org/drawingml/2006/main" xmlns:r="http://schemas.openxmlformats.org/officeDocument/2006/relationships" xmlns:p="http://schemas.openxmlformats.org/presentationml/2006/main">
   <p:cSld>
     <p:spTree>
@@ -8116,11 +8376,6 @@
         </a:xfrm>
       </p:grpSpPr>
     </p:spTree>
-    <p:extLst>
-      <p:ext uri="{BB962C8B-B14F-4D97-AF65-F5344CB8AC3E}">
-        <p14:creationId xmlns:p14="http://schemas.microsoft.com/office/powerpoint/2010/main" val="3827550132"/>
-      </p:ext>
-    </p:extLst>
   </p:cSld>
   <p:clrMapOvr>
     <a:masterClrMapping/>
@@ -8128,7 +8383,7 @@
 </p:sld>
 </file>
 
-<file path=ppt/slides/slide6.xml><?xml version="1.0" encoding="utf-8"?>
+<file path=ppt/slides/slide8.xml><?xml version="1.0" encoding="utf-8"?>
 <p:sld xmlns:a="http://schemas.openxmlformats.org/drawingml/2006/main" xmlns:r="http://schemas.openxmlformats.org/officeDocument/2006/relationships" xmlns:p="http://schemas.openxmlformats.org/presentationml/2006/main">
   <p:cSld>
     <p:spTree>
@@ -8146,11 +8401,6 @@
         </a:xfrm>
       </p:grpSpPr>
     </p:spTree>
-    <p:extLst>
-      <p:ext uri="{BB962C8B-B14F-4D97-AF65-F5344CB8AC3E}">
-        <p14:creationId xmlns:p14="http://schemas.microsoft.com/office/powerpoint/2010/main" val="2973402263"/>
-      </p:ext>
-    </p:extLst>
   </p:cSld>
   <p:clrMapOvr>
     <a:masterClrMapping/>
@@ -8349,11 +8599,9 @@
       </a:bgFillStyleLst>
     </a:fmtScheme>
   </a:themeElements>
-  <a:objectDefaults/>
-  <a:extraClrSchemeLst/>
   <a:extLst>
     <a:ext uri="{05A4C25C-085E-4340-85A3-A5531E510DB2}">
-      <thm15:themeFamily xmlns:thm15="http://schemas.microsoft.com/office/thememl/2012/main" xmlns="" name="Office Theme" id="{62F939B6-93AF-4DB8-9C6B-D6C7DFDC589F}" vid="{4A3C46E8-61CC-4603-A589-7422A47A8E4A}"/>
+      <thm15:themeFamily xmlns:thm15="http://schemas.microsoft.com/office/thememl/2012/main" name="Office Theme" id="{62F939B6-93AF-4DB8-9C6B-D6C7DFDC589F}" vid="{4A3C46E8-61CC-4603-A589-7422A47A8E4A}"/>
     </a:ext>
   </a:extLst>
 </a:theme>
@@ -8550,11 +8798,9 @@
       </a:bgFillStyleLst>
     </a:fmtScheme>
   </a:themeElements>
-  <a:objectDefaults/>
-  <a:extraClrSchemeLst/>
   <a:extLst>
     <a:ext uri="{05A4C25C-085E-4340-85A3-A5531E510DB2}">
-      <thm15:themeFamily xmlns:thm15="http://schemas.microsoft.com/office/thememl/2012/main" xmlns="" name="Office Theme" id="{62F939B6-93AF-4DB8-9C6B-D6C7DFDC589F}" vid="{4A3C46E8-61CC-4603-A589-7422A47A8E4A}"/>
+      <thm15:themeFamily xmlns:thm15="http://schemas.microsoft.com/office/thememl/2012/main" name="Office Theme" id="{62F939B6-93AF-4DB8-9C6B-D6C7DFDC589F}" vid="{4A3C46E8-61CC-4603-A589-7422A47A8E4A}"/>
     </a:ext>
   </a:extLst>
 </a:theme>
@@ -8751,11 +8997,9 @@
       </a:bgFillStyleLst>
     </a:fmtScheme>
   </a:themeElements>
-  <a:objectDefaults/>
-  <a:extraClrSchemeLst/>
   <a:extLst>
     <a:ext uri="{05A4C25C-085E-4340-85A3-A5531E510DB2}">
-      <thm15:themeFamily xmlns:thm15="http://schemas.microsoft.com/office/thememl/2012/main" xmlns="" name="Office Theme" id="{62F939B6-93AF-4DB8-9C6B-D6C7DFDC589F}" vid="{4A3C46E8-61CC-4603-A589-7422A47A8E4A}"/>
+      <thm15:themeFamily xmlns:thm15="http://schemas.microsoft.com/office/thememl/2012/main" name="Office Theme" id="{62F939B6-93AF-4DB8-9C6B-D6C7DFDC589F}" vid="{4A3C46E8-61CC-4603-A589-7422A47A8E4A}"/>
     </a:ext>
   </a:extLst>
 </a:theme>
@@ -8952,11 +9196,9 @@
       </a:bgFillStyleLst>
     </a:fmtScheme>
   </a:themeElements>
-  <a:objectDefaults/>
-  <a:extraClrSchemeLst/>
   <a:extLst>
     <a:ext uri="{05A4C25C-085E-4340-85A3-A5531E510DB2}">
-      <thm15:themeFamily xmlns:thm15="http://schemas.microsoft.com/office/thememl/2012/main" xmlns="" name="Office Theme" id="{62F939B6-93AF-4DB8-9C6B-D6C7DFDC589F}" vid="{4A3C46E8-61CC-4603-A589-7422A47A8E4A}"/>
+      <thm15:themeFamily xmlns:thm15="http://schemas.microsoft.com/office/thememl/2012/main" name="Office Theme" id="{62F939B6-93AF-4DB8-9C6B-D6C7DFDC589F}" vid="{4A3C46E8-61CC-4603-A589-7422A47A8E4A}"/>
     </a:ext>
   </a:extLst>
 </a:theme>
